--- a/conseils generaux.pptx
+++ b/conseils generaux.pptx
@@ -264,7 +264,7 @@
           <a:p>
             <a:fld id="{02722EA4-F631-4A32-9FC3-DDBD7EF75B28}" type="datetimeFigureOut">
               <a:rPr lang="fr-FR" smtClean="0"/>
-              <a:t>02/04/2023</a:t>
+              <a:t>06/04/2023</a:t>
             </a:fld>
             <a:endParaRPr lang="fr-FR"/>
           </a:p>
@@ -462,7 +462,7 @@
           <a:p>
             <a:fld id="{02722EA4-F631-4A32-9FC3-DDBD7EF75B28}" type="datetimeFigureOut">
               <a:rPr lang="fr-FR" smtClean="0"/>
-              <a:t>02/04/2023</a:t>
+              <a:t>06/04/2023</a:t>
             </a:fld>
             <a:endParaRPr lang="fr-FR"/>
           </a:p>
@@ -670,7 +670,7 @@
           <a:p>
             <a:fld id="{02722EA4-F631-4A32-9FC3-DDBD7EF75B28}" type="datetimeFigureOut">
               <a:rPr lang="fr-FR" smtClean="0"/>
-              <a:t>02/04/2023</a:t>
+              <a:t>06/04/2023</a:t>
             </a:fld>
             <a:endParaRPr lang="fr-FR"/>
           </a:p>
@@ -857,7 +857,7 @@
           <a:p>
             <a:fld id="{02722EA4-F631-4A32-9FC3-DDBD7EF75B28}" type="datetimeFigureOut">
               <a:rPr lang="fr-FR" smtClean="0"/>
-              <a:t>02/04/2023</a:t>
+              <a:t>06/04/2023</a:t>
             </a:fld>
             <a:endParaRPr lang="fr-FR"/>
           </a:p>
@@ -1043,7 +1043,7 @@
           <a:p>
             <a:fld id="{02722EA4-F631-4A32-9FC3-DDBD7EF75B28}" type="datetimeFigureOut">
               <a:rPr lang="fr-FR" smtClean="0"/>
-              <a:t>02/04/2023</a:t>
+              <a:t>06/04/2023</a:t>
             </a:fld>
             <a:endParaRPr lang="fr-FR"/>
           </a:p>
@@ -1318,7 +1318,7 @@
           <a:p>
             <a:fld id="{02722EA4-F631-4A32-9FC3-DDBD7EF75B28}" type="datetimeFigureOut">
               <a:rPr lang="fr-FR" smtClean="0"/>
-              <a:t>02/04/2023</a:t>
+              <a:t>06/04/2023</a:t>
             </a:fld>
             <a:endParaRPr lang="fr-FR"/>
           </a:p>
@@ -1583,7 +1583,7 @@
           <a:p>
             <a:fld id="{02722EA4-F631-4A32-9FC3-DDBD7EF75B28}" type="datetimeFigureOut">
               <a:rPr lang="fr-FR" smtClean="0"/>
-              <a:t>02/04/2023</a:t>
+              <a:t>06/04/2023</a:t>
             </a:fld>
             <a:endParaRPr lang="fr-FR"/>
           </a:p>
@@ -1995,7 +1995,7 @@
           <a:p>
             <a:fld id="{02722EA4-F631-4A32-9FC3-DDBD7EF75B28}" type="datetimeFigureOut">
               <a:rPr lang="fr-FR" smtClean="0"/>
-              <a:t>02/04/2023</a:t>
+              <a:t>06/04/2023</a:t>
             </a:fld>
             <a:endParaRPr lang="fr-FR"/>
           </a:p>
@@ -2136,7 +2136,7 @@
           <a:p>
             <a:fld id="{02722EA4-F631-4A32-9FC3-DDBD7EF75B28}" type="datetimeFigureOut">
               <a:rPr lang="fr-FR" smtClean="0"/>
-              <a:t>02/04/2023</a:t>
+              <a:t>06/04/2023</a:t>
             </a:fld>
             <a:endParaRPr lang="fr-FR"/>
           </a:p>
@@ -2249,7 +2249,7 @@
           <a:p>
             <a:fld id="{02722EA4-F631-4A32-9FC3-DDBD7EF75B28}" type="datetimeFigureOut">
               <a:rPr lang="fr-FR" smtClean="0"/>
-              <a:t>02/04/2023</a:t>
+              <a:t>06/04/2023</a:t>
             </a:fld>
             <a:endParaRPr lang="fr-FR"/>
           </a:p>
@@ -2560,7 +2560,7 @@
           <a:p>
             <a:fld id="{02722EA4-F631-4A32-9FC3-DDBD7EF75B28}" type="datetimeFigureOut">
               <a:rPr lang="fr-FR" smtClean="0"/>
-              <a:t>02/04/2023</a:t>
+              <a:t>06/04/2023</a:t>
             </a:fld>
             <a:endParaRPr lang="fr-FR"/>
           </a:p>
@@ -2848,7 +2848,7 @@
           <a:p>
             <a:fld id="{02722EA4-F631-4A32-9FC3-DDBD7EF75B28}" type="datetimeFigureOut">
               <a:rPr lang="fr-FR" smtClean="0"/>
-              <a:t>02/04/2023</a:t>
+              <a:t>06/04/2023</a:t>
             </a:fld>
             <a:endParaRPr lang="fr-FR"/>
           </a:p>
@@ -3089,7 +3089,7 @@
           <a:p>
             <a:fld id="{02722EA4-F631-4A32-9FC3-DDBD7EF75B28}" type="datetimeFigureOut">
               <a:rPr lang="fr-FR" smtClean="0"/>
-              <a:t>02/04/2023</a:t>
+              <a:t>06/04/2023</a:t>
             </a:fld>
             <a:endParaRPr lang="fr-FR"/>
           </a:p>
@@ -3655,7 +3655,7 @@
         </p:nvSpPr>
         <p:spPr>
           <a:xfrm>
-            <a:off x="466725" y="100013"/>
+            <a:off x="466725" y="65289"/>
             <a:ext cx="11258550" cy="838198"/>
           </a:xfrm>
           <a:prstGeom prst="rect">
@@ -4007,16 +4007,230 @@
   </p:clrMapOvr>
   <mc:AlternateContent xmlns:mc="http://schemas.openxmlformats.org/markup-compatibility/2006">
     <mc:Choice xmlns:p14="http://schemas.microsoft.com/office/powerpoint/2010/main" Requires="p14">
-      <p:transition spd="slow" p14:dur="1600">
-        <p:blinds dir="vert"/>
+      <p:transition spd="slow" p14:dur="3900">
+        <p14:glitter pattern="hexagon"/>
       </p:transition>
     </mc:Choice>
     <mc:Fallback>
       <p:transition spd="slow">
-        <p:blinds dir="vert"/>
+        <p:fade/>
       </p:transition>
     </mc:Fallback>
   </mc:AlternateContent>
+  <p:timing>
+    <p:tnLst>
+      <p:par>
+        <p:cTn id="1" dur="indefinite" restart="never" nodeType="tmRoot">
+          <p:childTnLst>
+            <p:seq concurrent="1" nextAc="seek">
+              <p:cTn id="2" dur="indefinite" nodeType="mainSeq">
+                <p:childTnLst>
+                  <p:par>
+                    <p:cTn id="3" fill="hold">
+                      <p:stCondLst>
+                        <p:cond delay="indefinite"/>
+                      </p:stCondLst>
+                      <p:childTnLst>
+                        <p:par>
+                          <p:cTn id="4" fill="hold">
+                            <p:stCondLst>
+                              <p:cond delay="0"/>
+                            </p:stCondLst>
+                            <p:childTnLst>
+                              <p:par>
+                                <p:cTn id="5" presetID="1" presetClass="entr" presetSubtype="0" fill="hold" grpId="0" nodeType="clickEffect">
+                                  <p:stCondLst>
+                                    <p:cond delay="0"/>
+                                  </p:stCondLst>
+                                  <p:childTnLst>
+                                    <p:set>
+                                      <p:cBhvr>
+                                        <p:cTn id="6" dur="1" fill="hold">
+                                          <p:stCondLst>
+                                            <p:cond delay="499"/>
+                                          </p:stCondLst>
+                                        </p:cTn>
+                                        <p:tgtEl>
+                                          <p:spTgt spid="10"/>
+                                        </p:tgtEl>
+                                        <p:attrNameLst>
+                                          <p:attrName>style.visibility</p:attrName>
+                                        </p:attrNameLst>
+                                      </p:cBhvr>
+                                      <p:to>
+                                        <p:strVal val="visible"/>
+                                      </p:to>
+                                    </p:set>
+                                  </p:childTnLst>
+                                </p:cTn>
+                              </p:par>
+                            </p:childTnLst>
+                          </p:cTn>
+                        </p:par>
+                      </p:childTnLst>
+                    </p:cTn>
+                  </p:par>
+                  <p:par>
+                    <p:cTn id="7" fill="hold">
+                      <p:stCondLst>
+                        <p:cond delay="indefinite"/>
+                      </p:stCondLst>
+                      <p:childTnLst>
+                        <p:par>
+                          <p:cTn id="8" fill="hold">
+                            <p:stCondLst>
+                              <p:cond delay="0"/>
+                            </p:stCondLst>
+                            <p:childTnLst>
+                              <p:par>
+                                <p:cTn id="9" presetID="1" presetClass="entr" presetSubtype="0" fill="hold" grpId="0" nodeType="clickEffect">
+                                  <p:stCondLst>
+                                    <p:cond delay="0"/>
+                                  </p:stCondLst>
+                                  <p:childTnLst>
+                                    <p:set>
+                                      <p:cBhvr>
+                                        <p:cTn id="10" dur="1" fill="hold">
+                                          <p:stCondLst>
+                                            <p:cond delay="499"/>
+                                          </p:stCondLst>
+                                        </p:cTn>
+                                        <p:tgtEl>
+                                          <p:spTgt spid="4"/>
+                                        </p:tgtEl>
+                                        <p:attrNameLst>
+                                          <p:attrName>style.visibility</p:attrName>
+                                        </p:attrNameLst>
+                                      </p:cBhvr>
+                                      <p:to>
+                                        <p:strVal val="visible"/>
+                                      </p:to>
+                                    </p:set>
+                                  </p:childTnLst>
+                                </p:cTn>
+                              </p:par>
+                            </p:childTnLst>
+                          </p:cTn>
+                        </p:par>
+                      </p:childTnLst>
+                    </p:cTn>
+                  </p:par>
+                  <p:par>
+                    <p:cTn id="11" fill="hold">
+                      <p:stCondLst>
+                        <p:cond delay="indefinite"/>
+                      </p:stCondLst>
+                      <p:childTnLst>
+                        <p:par>
+                          <p:cTn id="12" fill="hold">
+                            <p:stCondLst>
+                              <p:cond delay="0"/>
+                            </p:stCondLst>
+                            <p:childTnLst>
+                              <p:par>
+                                <p:cTn id="13" presetID="1" presetClass="entr" presetSubtype="0" fill="hold" nodeType="clickEffect">
+                                  <p:stCondLst>
+                                    <p:cond delay="0"/>
+                                  </p:stCondLst>
+                                  <p:childTnLst>
+                                    <p:set>
+                                      <p:cBhvr>
+                                        <p:cTn id="14" dur="1" fill="hold">
+                                          <p:stCondLst>
+                                            <p:cond delay="499"/>
+                                          </p:stCondLst>
+                                        </p:cTn>
+                                        <p:tgtEl>
+                                          <p:spTgt spid="13"/>
+                                        </p:tgtEl>
+                                        <p:attrNameLst>
+                                          <p:attrName>style.visibility</p:attrName>
+                                        </p:attrNameLst>
+                                      </p:cBhvr>
+                                      <p:to>
+                                        <p:strVal val="visible"/>
+                                      </p:to>
+                                    </p:set>
+                                  </p:childTnLst>
+                                </p:cTn>
+                              </p:par>
+                            </p:childTnLst>
+                          </p:cTn>
+                        </p:par>
+                      </p:childTnLst>
+                    </p:cTn>
+                  </p:par>
+                  <p:par>
+                    <p:cTn id="15" fill="hold">
+                      <p:stCondLst>
+                        <p:cond delay="indefinite"/>
+                      </p:stCondLst>
+                      <p:childTnLst>
+                        <p:par>
+                          <p:cTn id="16" fill="hold">
+                            <p:stCondLst>
+                              <p:cond delay="0"/>
+                            </p:stCondLst>
+                            <p:childTnLst>
+                              <p:par>
+                                <p:cTn id="17" presetID="1" presetClass="entr" presetSubtype="0" fill="hold" nodeType="clickEffect">
+                                  <p:stCondLst>
+                                    <p:cond delay="0"/>
+                                  </p:stCondLst>
+                                  <p:childTnLst>
+                                    <p:set>
+                                      <p:cBhvr>
+                                        <p:cTn id="18" dur="1" fill="hold">
+                                          <p:stCondLst>
+                                            <p:cond delay="499"/>
+                                          </p:stCondLst>
+                                        </p:cTn>
+                                        <p:tgtEl>
+                                          <p:spTgt spid="6"/>
+                                        </p:tgtEl>
+                                        <p:attrNameLst>
+                                          <p:attrName>style.visibility</p:attrName>
+                                        </p:attrNameLst>
+                                      </p:cBhvr>
+                                      <p:to>
+                                        <p:strVal val="visible"/>
+                                      </p:to>
+                                    </p:set>
+                                  </p:childTnLst>
+                                </p:cTn>
+                              </p:par>
+                            </p:childTnLst>
+                          </p:cTn>
+                        </p:par>
+                      </p:childTnLst>
+                    </p:cTn>
+                  </p:par>
+                </p:childTnLst>
+              </p:cTn>
+              <p:prevCondLst>
+                <p:cond evt="onPrev" delay="0">
+                  <p:tgtEl>
+                    <p:sldTgt/>
+                  </p:tgtEl>
+                </p:cond>
+              </p:prevCondLst>
+              <p:nextCondLst>
+                <p:cond evt="onNext" delay="0">
+                  <p:tgtEl>
+                    <p:sldTgt/>
+                  </p:tgtEl>
+                </p:cond>
+              </p:nextCondLst>
+            </p:seq>
+          </p:childTnLst>
+        </p:cTn>
+      </p:par>
+    </p:tnLst>
+    <p:bldLst>
+      <p:bldP spid="4" grpId="0"/>
+      <p:bldP spid="10" grpId="0" animBg="1"/>
+    </p:bldLst>
+  </p:timing>
 </p:sld>
 </file>
 
@@ -4331,6 +4545,241 @@
   <p:clrMapOvr>
     <a:masterClrMapping/>
   </p:clrMapOvr>
+  <mc:AlternateContent xmlns:mc="http://schemas.openxmlformats.org/markup-compatibility/2006">
+    <mc:Choice xmlns:p14="http://schemas.microsoft.com/office/powerpoint/2010/main" Requires="p14">
+      <p:transition spd="slow" p14:dur="3900">
+        <p14:glitter dir="r" pattern="hexagon"/>
+      </p:transition>
+    </mc:Choice>
+    <mc:Fallback>
+      <p:transition spd="slow">
+        <p:fade/>
+      </p:transition>
+    </mc:Fallback>
+  </mc:AlternateContent>
+  <p:timing>
+    <p:tnLst>
+      <p:par>
+        <p:cTn id="1" dur="indefinite" restart="never" nodeType="tmRoot">
+          <p:childTnLst>
+            <p:seq concurrent="1" nextAc="seek">
+              <p:cTn id="2" dur="indefinite" nodeType="mainSeq">
+                <p:childTnLst>
+                  <p:par>
+                    <p:cTn id="3" fill="hold">
+                      <p:stCondLst>
+                        <p:cond delay="indefinite"/>
+                      </p:stCondLst>
+                      <p:childTnLst>
+                        <p:par>
+                          <p:cTn id="4" fill="hold">
+                            <p:stCondLst>
+                              <p:cond delay="0"/>
+                            </p:stCondLst>
+                            <p:childTnLst>
+                              <p:par>
+                                <p:cTn id="5" presetID="53" presetClass="entr" presetSubtype="16" fill="hold" grpId="0" nodeType="clickEffect">
+                                  <p:stCondLst>
+                                    <p:cond delay="0"/>
+                                  </p:stCondLst>
+                                  <p:childTnLst>
+                                    <p:set>
+                                      <p:cBhvr>
+                                        <p:cTn id="6" dur="1" fill="hold">
+                                          <p:stCondLst>
+                                            <p:cond delay="0"/>
+                                          </p:stCondLst>
+                                        </p:cTn>
+                                        <p:tgtEl>
+                                          <p:spTgt spid="5"/>
+                                        </p:tgtEl>
+                                        <p:attrNameLst>
+                                          <p:attrName>style.visibility</p:attrName>
+                                        </p:attrNameLst>
+                                      </p:cBhvr>
+                                      <p:to>
+                                        <p:strVal val="visible"/>
+                                      </p:to>
+                                    </p:set>
+                                    <p:anim calcmode="lin" valueType="num">
+                                      <p:cBhvr>
+                                        <p:cTn id="7" dur="1000" fill="hold"/>
+                                        <p:tgtEl>
+                                          <p:spTgt spid="5"/>
+                                        </p:tgtEl>
+                                        <p:attrNameLst>
+                                          <p:attrName>ppt_w</p:attrName>
+                                        </p:attrNameLst>
+                                      </p:cBhvr>
+                                      <p:tavLst>
+                                        <p:tav tm="0">
+                                          <p:val>
+                                            <p:fltVal val="0"/>
+                                          </p:val>
+                                        </p:tav>
+                                        <p:tav tm="100000">
+                                          <p:val>
+                                            <p:strVal val="#ppt_w"/>
+                                          </p:val>
+                                        </p:tav>
+                                      </p:tavLst>
+                                    </p:anim>
+                                    <p:anim calcmode="lin" valueType="num">
+                                      <p:cBhvr>
+                                        <p:cTn id="8" dur="1000" fill="hold"/>
+                                        <p:tgtEl>
+                                          <p:spTgt spid="5"/>
+                                        </p:tgtEl>
+                                        <p:attrNameLst>
+                                          <p:attrName>ppt_h</p:attrName>
+                                        </p:attrNameLst>
+                                      </p:cBhvr>
+                                      <p:tavLst>
+                                        <p:tav tm="0">
+                                          <p:val>
+                                            <p:fltVal val="0"/>
+                                          </p:val>
+                                        </p:tav>
+                                        <p:tav tm="100000">
+                                          <p:val>
+                                            <p:strVal val="#ppt_h"/>
+                                          </p:val>
+                                        </p:tav>
+                                      </p:tavLst>
+                                    </p:anim>
+                                    <p:animEffect transition="in" filter="fade">
+                                      <p:cBhvr>
+                                        <p:cTn id="9" dur="1000"/>
+                                        <p:tgtEl>
+                                          <p:spTgt spid="5"/>
+                                        </p:tgtEl>
+                                      </p:cBhvr>
+                                    </p:animEffect>
+                                  </p:childTnLst>
+                                </p:cTn>
+                              </p:par>
+                            </p:childTnLst>
+                          </p:cTn>
+                        </p:par>
+                      </p:childTnLst>
+                    </p:cTn>
+                  </p:par>
+                  <p:par>
+                    <p:cTn id="10" fill="hold">
+                      <p:stCondLst>
+                        <p:cond delay="indefinite"/>
+                      </p:stCondLst>
+                      <p:childTnLst>
+                        <p:par>
+                          <p:cTn id="11" fill="hold">
+                            <p:stCondLst>
+                              <p:cond delay="0"/>
+                            </p:stCondLst>
+                            <p:childTnLst>
+                              <p:par>
+                                <p:cTn id="12" presetID="2" presetClass="entr" presetSubtype="4" fill="hold" nodeType="clickEffect">
+                                  <p:stCondLst>
+                                    <p:cond delay="0"/>
+                                  </p:stCondLst>
+                                  <p:childTnLst>
+                                    <p:set>
+                                      <p:cBhvr>
+                                        <p:cTn id="13" dur="1" fill="hold">
+                                          <p:stCondLst>
+                                            <p:cond delay="0"/>
+                                          </p:stCondLst>
+                                        </p:cTn>
+                                        <p:tgtEl>
+                                          <p:spTgt spid="7"/>
+                                        </p:tgtEl>
+                                        <p:attrNameLst>
+                                          <p:attrName>style.visibility</p:attrName>
+                                        </p:attrNameLst>
+                                      </p:cBhvr>
+                                      <p:to>
+                                        <p:strVal val="visible"/>
+                                      </p:to>
+                                    </p:set>
+                                    <p:anim calcmode="lin" valueType="num">
+                                      <p:cBhvr additive="base">
+                                        <p:cTn id="14" dur="1500" fill="hold"/>
+                                        <p:tgtEl>
+                                          <p:spTgt spid="7"/>
+                                        </p:tgtEl>
+                                        <p:attrNameLst>
+                                          <p:attrName>ppt_x</p:attrName>
+                                        </p:attrNameLst>
+                                      </p:cBhvr>
+                                      <p:tavLst>
+                                        <p:tav tm="0">
+                                          <p:val>
+                                            <p:strVal val="#ppt_x"/>
+                                          </p:val>
+                                        </p:tav>
+                                        <p:tav tm="100000">
+                                          <p:val>
+                                            <p:strVal val="#ppt_x"/>
+                                          </p:val>
+                                        </p:tav>
+                                      </p:tavLst>
+                                    </p:anim>
+                                    <p:anim calcmode="lin" valueType="num">
+                                      <p:cBhvr additive="base">
+                                        <p:cTn id="15" dur="1500" fill="hold"/>
+                                        <p:tgtEl>
+                                          <p:spTgt spid="7"/>
+                                        </p:tgtEl>
+                                        <p:attrNameLst>
+                                          <p:attrName>ppt_y</p:attrName>
+                                        </p:attrNameLst>
+                                      </p:cBhvr>
+                                      <p:tavLst>
+                                        <p:tav tm="0">
+                                          <p:val>
+                                            <p:strVal val="1+#ppt_h/2"/>
+                                          </p:val>
+                                        </p:tav>
+                                        <p:tav tm="100000">
+                                          <p:val>
+                                            <p:strVal val="#ppt_y"/>
+                                          </p:val>
+                                        </p:tav>
+                                      </p:tavLst>
+                                    </p:anim>
+                                  </p:childTnLst>
+                                </p:cTn>
+                              </p:par>
+                            </p:childTnLst>
+                          </p:cTn>
+                        </p:par>
+                      </p:childTnLst>
+                    </p:cTn>
+                  </p:par>
+                </p:childTnLst>
+              </p:cTn>
+              <p:prevCondLst>
+                <p:cond evt="onPrev" delay="0">
+                  <p:tgtEl>
+                    <p:sldTgt/>
+                  </p:tgtEl>
+                </p:cond>
+              </p:prevCondLst>
+              <p:nextCondLst>
+                <p:cond evt="onNext" delay="0">
+                  <p:tgtEl>
+                    <p:sldTgt/>
+                  </p:tgtEl>
+                </p:cond>
+              </p:nextCondLst>
+            </p:seq>
+          </p:childTnLst>
+        </p:cTn>
+      </p:par>
+    </p:tnLst>
+    <p:bldLst>
+      <p:bldP spid="5" grpId="0" animBg="1"/>
+    </p:bldLst>
+  </p:timing>
 </p:sld>
 </file>
 
@@ -4451,12 +4900,54 @@
           </a:p>
         </p:txBody>
       </p:sp>
+      <p:sp>
+        <p:nvSpPr>
+          <p:cNvPr id="2" name="ZoneTexte 1">
+            <a:extLst>
+              <a:ext uri="{FF2B5EF4-FFF2-40B4-BE49-F238E27FC236}">
+                <a16:creationId xmlns:a16="http://schemas.microsoft.com/office/drawing/2014/main" id="{D9F3027D-E475-4247-ABEC-D3D5658BF2D0}"/>
+              </a:ext>
+            </a:extLst>
+          </p:cNvPr>
+          <p:cNvSpPr txBox="1"/>
+          <p:nvPr/>
+        </p:nvSpPr>
+        <p:spPr>
+          <a:xfrm>
+            <a:off x="466725" y="1996348"/>
+            <a:ext cx="2690813" cy="707886"/>
+          </a:xfrm>
+          <a:prstGeom prst="rect">
+            <a:avLst/>
+          </a:prstGeom>
+          <a:solidFill>
+            <a:schemeClr val="accent2">
+              <a:lumMod val="20000"/>
+              <a:lumOff val="80000"/>
+            </a:schemeClr>
+          </a:solidFill>
+        </p:spPr>
+        <p:txBody>
+          <a:bodyPr wrap="square" rtlCol="0">
+            <a:spAutoFit/>
+          </a:bodyPr>
+          <a:lstStyle/>
+          <a:p>
+            <a:r>
+              <a:rPr lang="fr-FR" sz="4000" b="1" dirty="0">
+                <a:latin typeface="Bodoni MT Black" panose="02070A03080606020203" pitchFamily="18" charset="0"/>
+              </a:rPr>
+              <a:t>Conseil 1</a:t>
+            </a:r>
+          </a:p>
+        </p:txBody>
+      </p:sp>
       <p:grpSp>
         <p:nvGrpSpPr>
-          <p:cNvPr id="8" name="Groupe 7">
+          <p:cNvPr id="5" name="Groupe 4">
             <a:extLst>
               <a:ext uri="{FF2B5EF4-FFF2-40B4-BE49-F238E27FC236}">
-                <a16:creationId xmlns:a16="http://schemas.microsoft.com/office/drawing/2014/main" id="{F0CEE05B-94B9-4D66-A977-ECEDAA6D6425}"/>
+                <a16:creationId xmlns:a16="http://schemas.microsoft.com/office/drawing/2014/main" id="{6BE36241-0D5E-492E-9699-2EBE0BA87DC8}"/>
               </a:ext>
             </a:extLst>
           </p:cNvPr>
@@ -4465,54 +4956,12 @@
         </p:nvGrpSpPr>
         <p:grpSpPr>
           <a:xfrm>
-            <a:off x="466725" y="1640894"/>
-            <a:ext cx="11258550" cy="1511530"/>
-            <a:chOff x="466725" y="1640894"/>
-            <a:chExt cx="11258550" cy="1511530"/>
+            <a:off x="2943225" y="1640894"/>
+            <a:ext cx="8782050" cy="1511530"/>
+            <a:chOff x="2943225" y="1640894"/>
+            <a:chExt cx="8782050" cy="1511530"/>
           </a:xfrm>
         </p:grpSpPr>
-        <p:sp>
-          <p:nvSpPr>
-            <p:cNvPr id="2" name="ZoneTexte 1">
-              <a:extLst>
-                <a:ext uri="{FF2B5EF4-FFF2-40B4-BE49-F238E27FC236}">
-                  <a16:creationId xmlns:a16="http://schemas.microsoft.com/office/drawing/2014/main" id="{D9F3027D-E475-4247-ABEC-D3D5658BF2D0}"/>
-                </a:ext>
-              </a:extLst>
-            </p:cNvPr>
-            <p:cNvSpPr txBox="1"/>
-            <p:nvPr/>
-          </p:nvSpPr>
-          <p:spPr>
-            <a:xfrm>
-              <a:off x="466725" y="1996348"/>
-              <a:ext cx="2690813" cy="707886"/>
-            </a:xfrm>
-            <a:prstGeom prst="rect">
-              <a:avLst/>
-            </a:prstGeom>
-            <a:solidFill>
-              <a:schemeClr val="accent2">
-                <a:lumMod val="20000"/>
-                <a:lumOff val="80000"/>
-              </a:schemeClr>
-            </a:solidFill>
-          </p:spPr>
-          <p:txBody>
-            <a:bodyPr wrap="square" rtlCol="0">
-              <a:spAutoFit/>
-            </a:bodyPr>
-            <a:lstStyle/>
-            <a:p>
-              <a:r>
-                <a:rPr lang="fr-FR" sz="4000" b="1" dirty="0">
-                  <a:latin typeface="Bodoni MT Black" panose="02070A03080606020203" pitchFamily="18" charset="0"/>
-                </a:rPr>
-                <a:t>Conseil 1</a:t>
-              </a:r>
-            </a:p>
-          </p:txBody>
-        </p:sp>
         <p:sp>
           <p:nvSpPr>
             <p:cNvPr id="6" name="Légende : flèche vers la gauche 5">
@@ -4617,12 +5066,54 @@
           </p:txBody>
         </p:sp>
       </p:grpSp>
+      <p:sp>
+        <p:nvSpPr>
+          <p:cNvPr id="12" name="ZoneTexte 11">
+            <a:extLst>
+              <a:ext uri="{FF2B5EF4-FFF2-40B4-BE49-F238E27FC236}">
+                <a16:creationId xmlns:a16="http://schemas.microsoft.com/office/drawing/2014/main" id="{1A1677BA-56CD-4050-BA8A-5D04AD68A5B0}"/>
+              </a:ext>
+            </a:extLst>
+          </p:cNvPr>
+          <p:cNvSpPr txBox="1"/>
+          <p:nvPr/>
+        </p:nvSpPr>
+        <p:spPr>
+          <a:xfrm>
+            <a:off x="466725" y="4452143"/>
+            <a:ext cx="2690813" cy="707886"/>
+          </a:xfrm>
+          <a:prstGeom prst="rect">
+            <a:avLst/>
+          </a:prstGeom>
+          <a:solidFill>
+            <a:schemeClr val="accent2">
+              <a:lumMod val="20000"/>
+              <a:lumOff val="80000"/>
+            </a:schemeClr>
+          </a:solidFill>
+        </p:spPr>
+        <p:txBody>
+          <a:bodyPr wrap="square" rtlCol="0">
+            <a:spAutoFit/>
+          </a:bodyPr>
+          <a:lstStyle/>
+          <a:p>
+            <a:r>
+              <a:rPr lang="fr-FR" sz="4000" b="1" dirty="0">
+                <a:latin typeface="Bodoni MT Black" panose="02070A03080606020203" pitchFamily="18" charset="0"/>
+              </a:rPr>
+              <a:t>Conseil 2</a:t>
+            </a:r>
+          </a:p>
+        </p:txBody>
+      </p:sp>
       <p:grpSp>
         <p:nvGrpSpPr>
-          <p:cNvPr id="11" name="Groupe 10">
+          <p:cNvPr id="10" name="Groupe 9">
             <a:extLst>
               <a:ext uri="{FF2B5EF4-FFF2-40B4-BE49-F238E27FC236}">
-                <a16:creationId xmlns:a16="http://schemas.microsoft.com/office/drawing/2014/main" id="{5B984CD2-3C30-403E-96E9-B1D0793443BF}"/>
+                <a16:creationId xmlns:a16="http://schemas.microsoft.com/office/drawing/2014/main" id="{8FBA23D6-F6A8-43BC-A9D8-CA950DA9D912}"/>
               </a:ext>
             </a:extLst>
           </p:cNvPr>
@@ -4631,54 +5122,12 @@
         </p:nvGrpSpPr>
         <p:grpSpPr>
           <a:xfrm>
-            <a:off x="466725" y="4096689"/>
-            <a:ext cx="11258550" cy="1511530"/>
-            <a:chOff x="466725" y="1640894"/>
-            <a:chExt cx="11258550" cy="1511530"/>
+            <a:off x="2943225" y="4096689"/>
+            <a:ext cx="8782050" cy="1511530"/>
+            <a:chOff x="2943225" y="4096689"/>
+            <a:chExt cx="8782050" cy="1511530"/>
           </a:xfrm>
         </p:grpSpPr>
-        <p:sp>
-          <p:nvSpPr>
-            <p:cNvPr id="12" name="ZoneTexte 11">
-              <a:extLst>
-                <a:ext uri="{FF2B5EF4-FFF2-40B4-BE49-F238E27FC236}">
-                  <a16:creationId xmlns:a16="http://schemas.microsoft.com/office/drawing/2014/main" id="{1A1677BA-56CD-4050-BA8A-5D04AD68A5B0}"/>
-                </a:ext>
-              </a:extLst>
-            </p:cNvPr>
-            <p:cNvSpPr txBox="1"/>
-            <p:nvPr/>
-          </p:nvSpPr>
-          <p:spPr>
-            <a:xfrm>
-              <a:off x="466725" y="1996348"/>
-              <a:ext cx="2690813" cy="707886"/>
-            </a:xfrm>
-            <a:prstGeom prst="rect">
-              <a:avLst/>
-            </a:prstGeom>
-            <a:solidFill>
-              <a:schemeClr val="accent2">
-                <a:lumMod val="20000"/>
-                <a:lumOff val="80000"/>
-              </a:schemeClr>
-            </a:solidFill>
-          </p:spPr>
-          <p:txBody>
-            <a:bodyPr wrap="square" rtlCol="0">
-              <a:spAutoFit/>
-            </a:bodyPr>
-            <a:lstStyle/>
-            <a:p>
-              <a:r>
-                <a:rPr lang="fr-FR" sz="4000" b="1" dirty="0">
-                  <a:latin typeface="Bodoni MT Black" panose="02070A03080606020203" pitchFamily="18" charset="0"/>
-                </a:rPr>
-                <a:t>Conseil 2</a:t>
-              </a:r>
-            </a:p>
-          </p:txBody>
-        </p:sp>
         <p:sp>
           <p:nvSpPr>
             <p:cNvPr id="13" name="Légende : flèche vers la gauche 12">
@@ -4693,7 +5142,7 @@
           </p:nvSpPr>
           <p:spPr>
             <a:xfrm>
-              <a:off x="2943225" y="1640894"/>
+              <a:off x="2943225" y="4096689"/>
               <a:ext cx="8782050" cy="1418793"/>
             </a:xfrm>
             <a:prstGeom prst="leftArrowCallout">
@@ -4750,7 +5199,7 @@
           </p:nvSpPr>
           <p:spPr>
             <a:xfrm>
-              <a:off x="3609975" y="1675096"/>
+              <a:off x="3609975" y="4130891"/>
               <a:ext cx="8115300" cy="1477328"/>
             </a:xfrm>
             <a:prstGeom prst="rect">
@@ -4789,6 +5238,842 @@
   <p:clrMapOvr>
     <a:masterClrMapping/>
   </p:clrMapOvr>
+  <mc:AlternateContent xmlns:mc="http://schemas.openxmlformats.org/markup-compatibility/2006">
+    <mc:Choice xmlns:p14="http://schemas.microsoft.com/office/powerpoint/2010/main" Requires="p14">
+      <p:transition spd="slow" p14:dur="3900">
+        <p14:glitter dir="u" pattern="hexagon"/>
+      </p:transition>
+    </mc:Choice>
+    <mc:Fallback>
+      <p:transition spd="slow">
+        <p:fade/>
+      </p:transition>
+    </mc:Fallback>
+  </mc:AlternateContent>
+  <p:timing>
+    <p:tnLst>
+      <p:par>
+        <p:cTn id="1" dur="indefinite" restart="never" nodeType="tmRoot">
+          <p:childTnLst>
+            <p:seq concurrent="1" nextAc="seek">
+              <p:cTn id="2" dur="indefinite" nodeType="mainSeq">
+                <p:childTnLst>
+                  <p:par>
+                    <p:cTn id="3" fill="hold">
+                      <p:stCondLst>
+                        <p:cond delay="indefinite"/>
+                      </p:stCondLst>
+                      <p:childTnLst>
+                        <p:par>
+                          <p:cTn id="4" fill="hold">
+                            <p:stCondLst>
+                              <p:cond delay="0"/>
+                            </p:stCondLst>
+                            <p:childTnLst>
+                              <p:par>
+                                <p:cTn id="5" presetID="26" presetClass="entr" presetSubtype="0" fill="hold" grpId="0" nodeType="clickEffect">
+                                  <p:stCondLst>
+                                    <p:cond delay="0"/>
+                                  </p:stCondLst>
+                                  <p:childTnLst>
+                                    <p:set>
+                                      <p:cBhvr>
+                                        <p:cTn id="6" dur="1" fill="hold">
+                                          <p:stCondLst>
+                                            <p:cond delay="0"/>
+                                          </p:stCondLst>
+                                        </p:cTn>
+                                        <p:tgtEl>
+                                          <p:spTgt spid="2"/>
+                                        </p:tgtEl>
+                                        <p:attrNameLst>
+                                          <p:attrName>style.visibility</p:attrName>
+                                        </p:attrNameLst>
+                                      </p:cBhvr>
+                                      <p:to>
+                                        <p:strVal val="visible"/>
+                                      </p:to>
+                                    </p:set>
+                                    <p:animEffect transition="in" filter="wipe(down)">
+                                      <p:cBhvr>
+                                        <p:cTn id="7" dur="580">
+                                          <p:stCondLst>
+                                            <p:cond delay="0"/>
+                                          </p:stCondLst>
+                                        </p:cTn>
+                                        <p:tgtEl>
+                                          <p:spTgt spid="2"/>
+                                        </p:tgtEl>
+                                      </p:cBhvr>
+                                    </p:animEffect>
+                                    <p:anim calcmode="lin" valueType="num">
+                                      <p:cBhvr>
+                                        <p:cTn id="8" dur="1822" tmFilter="0,0; 0.14,0.36; 0.43,0.73; 0.71,0.91; 1.0,1.0">
+                                          <p:stCondLst>
+                                            <p:cond delay="0"/>
+                                          </p:stCondLst>
+                                        </p:cTn>
+                                        <p:tgtEl>
+                                          <p:spTgt spid="2"/>
+                                        </p:tgtEl>
+                                        <p:attrNameLst>
+                                          <p:attrName>ppt_x</p:attrName>
+                                        </p:attrNameLst>
+                                      </p:cBhvr>
+                                      <p:tavLst>
+                                        <p:tav tm="0">
+                                          <p:val>
+                                            <p:strVal val="#ppt_x-0.25"/>
+                                          </p:val>
+                                        </p:tav>
+                                        <p:tav tm="100000">
+                                          <p:val>
+                                            <p:strVal val="#ppt_x"/>
+                                          </p:val>
+                                        </p:tav>
+                                      </p:tavLst>
+                                    </p:anim>
+                                    <p:anim calcmode="lin" valueType="num">
+                                      <p:cBhvr>
+                                        <p:cTn id="9" dur="664" tmFilter="0.0,0.0; 0.25,0.07; 0.50,0.2; 0.75,0.467; 1.0,1.0">
+                                          <p:stCondLst>
+                                            <p:cond delay="0"/>
+                                          </p:stCondLst>
+                                        </p:cTn>
+                                        <p:tgtEl>
+                                          <p:spTgt spid="2"/>
+                                        </p:tgtEl>
+                                        <p:attrNameLst>
+                                          <p:attrName>ppt_y</p:attrName>
+                                        </p:attrNameLst>
+                                      </p:cBhvr>
+                                      <p:tavLst>
+                                        <p:tav tm="0" fmla="#ppt_y-sin(pi*$)/3">
+                                          <p:val>
+                                            <p:fltVal val="0.5"/>
+                                          </p:val>
+                                        </p:tav>
+                                        <p:tav tm="100000">
+                                          <p:val>
+                                            <p:fltVal val="1"/>
+                                          </p:val>
+                                        </p:tav>
+                                      </p:tavLst>
+                                    </p:anim>
+                                    <p:anim calcmode="lin" valueType="num">
+                                      <p:cBhvr>
+                                        <p:cTn id="10" dur="664" tmFilter="0, 0; 0.125,0.2665; 0.25,0.4; 0.375,0.465; 0.5,0.5;  0.625,0.535; 0.75,0.6; 0.875,0.7335; 1,1">
+                                          <p:stCondLst>
+                                            <p:cond delay="664"/>
+                                          </p:stCondLst>
+                                        </p:cTn>
+                                        <p:tgtEl>
+                                          <p:spTgt spid="2"/>
+                                        </p:tgtEl>
+                                        <p:attrNameLst>
+                                          <p:attrName>ppt_y</p:attrName>
+                                        </p:attrNameLst>
+                                      </p:cBhvr>
+                                      <p:tavLst>
+                                        <p:tav tm="0" fmla="#ppt_y-sin(pi*$)/9">
+                                          <p:val>
+                                            <p:fltVal val="0"/>
+                                          </p:val>
+                                        </p:tav>
+                                        <p:tav tm="100000">
+                                          <p:val>
+                                            <p:fltVal val="1"/>
+                                          </p:val>
+                                        </p:tav>
+                                      </p:tavLst>
+                                    </p:anim>
+                                    <p:anim calcmode="lin" valueType="num">
+                                      <p:cBhvr>
+                                        <p:cTn id="11" dur="332" tmFilter="0, 0; 0.125,0.2665; 0.25,0.4; 0.375,0.465; 0.5,0.5;  0.625,0.535; 0.75,0.6; 0.875,0.7335; 1,1">
+                                          <p:stCondLst>
+                                            <p:cond delay="1324"/>
+                                          </p:stCondLst>
+                                        </p:cTn>
+                                        <p:tgtEl>
+                                          <p:spTgt spid="2"/>
+                                        </p:tgtEl>
+                                        <p:attrNameLst>
+                                          <p:attrName>ppt_y</p:attrName>
+                                        </p:attrNameLst>
+                                      </p:cBhvr>
+                                      <p:tavLst>
+                                        <p:tav tm="0" fmla="#ppt_y-sin(pi*$)/27">
+                                          <p:val>
+                                            <p:fltVal val="0"/>
+                                          </p:val>
+                                        </p:tav>
+                                        <p:tav tm="100000">
+                                          <p:val>
+                                            <p:fltVal val="1"/>
+                                          </p:val>
+                                        </p:tav>
+                                      </p:tavLst>
+                                    </p:anim>
+                                    <p:anim calcmode="lin" valueType="num">
+                                      <p:cBhvr>
+                                        <p:cTn id="12" dur="164" tmFilter="0, 0; 0.125,0.2665; 0.25,0.4; 0.375,0.465; 0.5,0.5;  0.625,0.535; 0.75,0.6; 0.875,0.7335; 1,1">
+                                          <p:stCondLst>
+                                            <p:cond delay="1656"/>
+                                          </p:stCondLst>
+                                        </p:cTn>
+                                        <p:tgtEl>
+                                          <p:spTgt spid="2"/>
+                                        </p:tgtEl>
+                                        <p:attrNameLst>
+                                          <p:attrName>ppt_y</p:attrName>
+                                        </p:attrNameLst>
+                                      </p:cBhvr>
+                                      <p:tavLst>
+                                        <p:tav tm="0" fmla="#ppt_y-sin(pi*$)/81">
+                                          <p:val>
+                                            <p:fltVal val="0"/>
+                                          </p:val>
+                                        </p:tav>
+                                        <p:tav tm="100000">
+                                          <p:val>
+                                            <p:fltVal val="1"/>
+                                          </p:val>
+                                        </p:tav>
+                                      </p:tavLst>
+                                    </p:anim>
+                                    <p:animScale>
+                                      <p:cBhvr>
+                                        <p:cTn id="13" dur="26">
+                                          <p:stCondLst>
+                                            <p:cond delay="650"/>
+                                          </p:stCondLst>
+                                        </p:cTn>
+                                        <p:tgtEl>
+                                          <p:spTgt spid="2"/>
+                                        </p:tgtEl>
+                                      </p:cBhvr>
+                                      <p:to x="100000" y="60000"/>
+                                    </p:animScale>
+                                    <p:animScale>
+                                      <p:cBhvr>
+                                        <p:cTn id="14" dur="166" decel="50000">
+                                          <p:stCondLst>
+                                            <p:cond delay="676"/>
+                                          </p:stCondLst>
+                                        </p:cTn>
+                                        <p:tgtEl>
+                                          <p:spTgt spid="2"/>
+                                        </p:tgtEl>
+                                      </p:cBhvr>
+                                      <p:to x="100000" y="100000"/>
+                                    </p:animScale>
+                                    <p:animScale>
+                                      <p:cBhvr>
+                                        <p:cTn id="15" dur="26">
+                                          <p:stCondLst>
+                                            <p:cond delay="1312"/>
+                                          </p:stCondLst>
+                                        </p:cTn>
+                                        <p:tgtEl>
+                                          <p:spTgt spid="2"/>
+                                        </p:tgtEl>
+                                      </p:cBhvr>
+                                      <p:to x="100000" y="80000"/>
+                                    </p:animScale>
+                                    <p:animScale>
+                                      <p:cBhvr>
+                                        <p:cTn id="16" dur="166" decel="50000">
+                                          <p:stCondLst>
+                                            <p:cond delay="1338"/>
+                                          </p:stCondLst>
+                                        </p:cTn>
+                                        <p:tgtEl>
+                                          <p:spTgt spid="2"/>
+                                        </p:tgtEl>
+                                      </p:cBhvr>
+                                      <p:to x="100000" y="100000"/>
+                                    </p:animScale>
+                                    <p:animScale>
+                                      <p:cBhvr>
+                                        <p:cTn id="17" dur="26">
+                                          <p:stCondLst>
+                                            <p:cond delay="1642"/>
+                                          </p:stCondLst>
+                                        </p:cTn>
+                                        <p:tgtEl>
+                                          <p:spTgt spid="2"/>
+                                        </p:tgtEl>
+                                      </p:cBhvr>
+                                      <p:to x="100000" y="90000"/>
+                                    </p:animScale>
+                                    <p:animScale>
+                                      <p:cBhvr>
+                                        <p:cTn id="18" dur="166" decel="50000">
+                                          <p:stCondLst>
+                                            <p:cond delay="1668"/>
+                                          </p:stCondLst>
+                                        </p:cTn>
+                                        <p:tgtEl>
+                                          <p:spTgt spid="2"/>
+                                        </p:tgtEl>
+                                      </p:cBhvr>
+                                      <p:to x="100000" y="100000"/>
+                                    </p:animScale>
+                                    <p:animScale>
+                                      <p:cBhvr>
+                                        <p:cTn id="19" dur="26">
+                                          <p:stCondLst>
+                                            <p:cond delay="1808"/>
+                                          </p:stCondLst>
+                                        </p:cTn>
+                                        <p:tgtEl>
+                                          <p:spTgt spid="2"/>
+                                        </p:tgtEl>
+                                      </p:cBhvr>
+                                      <p:to x="100000" y="95000"/>
+                                    </p:animScale>
+                                    <p:animScale>
+                                      <p:cBhvr>
+                                        <p:cTn id="20" dur="166" decel="50000">
+                                          <p:stCondLst>
+                                            <p:cond delay="1834"/>
+                                          </p:stCondLst>
+                                        </p:cTn>
+                                        <p:tgtEl>
+                                          <p:spTgt spid="2"/>
+                                        </p:tgtEl>
+                                      </p:cBhvr>
+                                      <p:to x="100000" y="100000"/>
+                                    </p:animScale>
+                                  </p:childTnLst>
+                                </p:cTn>
+                              </p:par>
+                            </p:childTnLst>
+                          </p:cTn>
+                        </p:par>
+                      </p:childTnLst>
+                    </p:cTn>
+                  </p:par>
+                  <p:par>
+                    <p:cTn id="21" fill="hold">
+                      <p:stCondLst>
+                        <p:cond delay="indefinite"/>
+                      </p:stCondLst>
+                      <p:childTnLst>
+                        <p:par>
+                          <p:cTn id="22" fill="hold">
+                            <p:stCondLst>
+                              <p:cond delay="0"/>
+                            </p:stCondLst>
+                            <p:childTnLst>
+                              <p:par>
+                                <p:cTn id="23" presetID="42" presetClass="entr" presetSubtype="0" fill="hold" nodeType="clickEffect">
+                                  <p:stCondLst>
+                                    <p:cond delay="0"/>
+                                  </p:stCondLst>
+                                  <p:childTnLst>
+                                    <p:set>
+                                      <p:cBhvr>
+                                        <p:cTn id="24" dur="1" fill="hold">
+                                          <p:stCondLst>
+                                            <p:cond delay="0"/>
+                                          </p:stCondLst>
+                                        </p:cTn>
+                                        <p:tgtEl>
+                                          <p:spTgt spid="5"/>
+                                        </p:tgtEl>
+                                        <p:attrNameLst>
+                                          <p:attrName>style.visibility</p:attrName>
+                                        </p:attrNameLst>
+                                      </p:cBhvr>
+                                      <p:to>
+                                        <p:strVal val="visible"/>
+                                      </p:to>
+                                    </p:set>
+                                    <p:animEffect transition="in" filter="fade">
+                                      <p:cBhvr>
+                                        <p:cTn id="25" dur="1500"/>
+                                        <p:tgtEl>
+                                          <p:spTgt spid="5"/>
+                                        </p:tgtEl>
+                                      </p:cBhvr>
+                                    </p:animEffect>
+                                    <p:anim calcmode="lin" valueType="num">
+                                      <p:cBhvr>
+                                        <p:cTn id="26" dur="1500" fill="hold"/>
+                                        <p:tgtEl>
+                                          <p:spTgt spid="5"/>
+                                        </p:tgtEl>
+                                        <p:attrNameLst>
+                                          <p:attrName>ppt_x</p:attrName>
+                                        </p:attrNameLst>
+                                      </p:cBhvr>
+                                      <p:tavLst>
+                                        <p:tav tm="0">
+                                          <p:val>
+                                            <p:strVal val="#ppt_x"/>
+                                          </p:val>
+                                        </p:tav>
+                                        <p:tav tm="100000">
+                                          <p:val>
+                                            <p:strVal val="#ppt_x"/>
+                                          </p:val>
+                                        </p:tav>
+                                      </p:tavLst>
+                                    </p:anim>
+                                    <p:anim calcmode="lin" valueType="num">
+                                      <p:cBhvr>
+                                        <p:cTn id="27" dur="1500" fill="hold"/>
+                                        <p:tgtEl>
+                                          <p:spTgt spid="5"/>
+                                        </p:tgtEl>
+                                        <p:attrNameLst>
+                                          <p:attrName>ppt_y</p:attrName>
+                                        </p:attrNameLst>
+                                      </p:cBhvr>
+                                      <p:tavLst>
+                                        <p:tav tm="0">
+                                          <p:val>
+                                            <p:strVal val="#ppt_y+.1"/>
+                                          </p:val>
+                                        </p:tav>
+                                        <p:tav tm="100000">
+                                          <p:val>
+                                            <p:strVal val="#ppt_y"/>
+                                          </p:val>
+                                        </p:tav>
+                                      </p:tavLst>
+                                    </p:anim>
+                                  </p:childTnLst>
+                                </p:cTn>
+                              </p:par>
+                            </p:childTnLst>
+                          </p:cTn>
+                        </p:par>
+                      </p:childTnLst>
+                    </p:cTn>
+                  </p:par>
+                  <p:par>
+                    <p:cTn id="28" fill="hold">
+                      <p:stCondLst>
+                        <p:cond delay="indefinite"/>
+                      </p:stCondLst>
+                      <p:childTnLst>
+                        <p:par>
+                          <p:cTn id="29" fill="hold">
+                            <p:stCondLst>
+                              <p:cond delay="0"/>
+                            </p:stCondLst>
+                            <p:childTnLst>
+                              <p:par>
+                                <p:cTn id="30" presetID="26" presetClass="entr" presetSubtype="0" fill="hold" grpId="0" nodeType="clickEffect">
+                                  <p:stCondLst>
+                                    <p:cond delay="0"/>
+                                  </p:stCondLst>
+                                  <p:childTnLst>
+                                    <p:set>
+                                      <p:cBhvr>
+                                        <p:cTn id="31" dur="1" fill="hold">
+                                          <p:stCondLst>
+                                            <p:cond delay="0"/>
+                                          </p:stCondLst>
+                                        </p:cTn>
+                                        <p:tgtEl>
+                                          <p:spTgt spid="12"/>
+                                        </p:tgtEl>
+                                        <p:attrNameLst>
+                                          <p:attrName>style.visibility</p:attrName>
+                                        </p:attrNameLst>
+                                      </p:cBhvr>
+                                      <p:to>
+                                        <p:strVal val="visible"/>
+                                      </p:to>
+                                    </p:set>
+                                    <p:animEffect transition="in" filter="wipe(down)">
+                                      <p:cBhvr>
+                                        <p:cTn id="32" dur="580">
+                                          <p:stCondLst>
+                                            <p:cond delay="0"/>
+                                          </p:stCondLst>
+                                        </p:cTn>
+                                        <p:tgtEl>
+                                          <p:spTgt spid="12"/>
+                                        </p:tgtEl>
+                                      </p:cBhvr>
+                                    </p:animEffect>
+                                    <p:anim calcmode="lin" valueType="num">
+                                      <p:cBhvr>
+                                        <p:cTn id="33" dur="1822" tmFilter="0,0; 0.14,0.36; 0.43,0.73; 0.71,0.91; 1.0,1.0">
+                                          <p:stCondLst>
+                                            <p:cond delay="0"/>
+                                          </p:stCondLst>
+                                        </p:cTn>
+                                        <p:tgtEl>
+                                          <p:spTgt spid="12"/>
+                                        </p:tgtEl>
+                                        <p:attrNameLst>
+                                          <p:attrName>ppt_x</p:attrName>
+                                        </p:attrNameLst>
+                                      </p:cBhvr>
+                                      <p:tavLst>
+                                        <p:tav tm="0">
+                                          <p:val>
+                                            <p:strVal val="#ppt_x-0.25"/>
+                                          </p:val>
+                                        </p:tav>
+                                        <p:tav tm="100000">
+                                          <p:val>
+                                            <p:strVal val="#ppt_x"/>
+                                          </p:val>
+                                        </p:tav>
+                                      </p:tavLst>
+                                    </p:anim>
+                                    <p:anim calcmode="lin" valueType="num">
+                                      <p:cBhvr>
+                                        <p:cTn id="34" dur="664" tmFilter="0.0,0.0; 0.25,0.07; 0.50,0.2; 0.75,0.467; 1.0,1.0">
+                                          <p:stCondLst>
+                                            <p:cond delay="0"/>
+                                          </p:stCondLst>
+                                        </p:cTn>
+                                        <p:tgtEl>
+                                          <p:spTgt spid="12"/>
+                                        </p:tgtEl>
+                                        <p:attrNameLst>
+                                          <p:attrName>ppt_y</p:attrName>
+                                        </p:attrNameLst>
+                                      </p:cBhvr>
+                                      <p:tavLst>
+                                        <p:tav tm="0" fmla="#ppt_y-sin(pi*$)/3">
+                                          <p:val>
+                                            <p:fltVal val="0.5"/>
+                                          </p:val>
+                                        </p:tav>
+                                        <p:tav tm="100000">
+                                          <p:val>
+                                            <p:fltVal val="1"/>
+                                          </p:val>
+                                        </p:tav>
+                                      </p:tavLst>
+                                    </p:anim>
+                                    <p:anim calcmode="lin" valueType="num">
+                                      <p:cBhvr>
+                                        <p:cTn id="35" dur="664" tmFilter="0, 0; 0.125,0.2665; 0.25,0.4; 0.375,0.465; 0.5,0.5;  0.625,0.535; 0.75,0.6; 0.875,0.7335; 1,1">
+                                          <p:stCondLst>
+                                            <p:cond delay="664"/>
+                                          </p:stCondLst>
+                                        </p:cTn>
+                                        <p:tgtEl>
+                                          <p:spTgt spid="12"/>
+                                        </p:tgtEl>
+                                        <p:attrNameLst>
+                                          <p:attrName>ppt_y</p:attrName>
+                                        </p:attrNameLst>
+                                      </p:cBhvr>
+                                      <p:tavLst>
+                                        <p:tav tm="0" fmla="#ppt_y-sin(pi*$)/9">
+                                          <p:val>
+                                            <p:fltVal val="0"/>
+                                          </p:val>
+                                        </p:tav>
+                                        <p:tav tm="100000">
+                                          <p:val>
+                                            <p:fltVal val="1"/>
+                                          </p:val>
+                                        </p:tav>
+                                      </p:tavLst>
+                                    </p:anim>
+                                    <p:anim calcmode="lin" valueType="num">
+                                      <p:cBhvr>
+                                        <p:cTn id="36" dur="332" tmFilter="0, 0; 0.125,0.2665; 0.25,0.4; 0.375,0.465; 0.5,0.5;  0.625,0.535; 0.75,0.6; 0.875,0.7335; 1,1">
+                                          <p:stCondLst>
+                                            <p:cond delay="1324"/>
+                                          </p:stCondLst>
+                                        </p:cTn>
+                                        <p:tgtEl>
+                                          <p:spTgt spid="12"/>
+                                        </p:tgtEl>
+                                        <p:attrNameLst>
+                                          <p:attrName>ppt_y</p:attrName>
+                                        </p:attrNameLst>
+                                      </p:cBhvr>
+                                      <p:tavLst>
+                                        <p:tav tm="0" fmla="#ppt_y-sin(pi*$)/27">
+                                          <p:val>
+                                            <p:fltVal val="0"/>
+                                          </p:val>
+                                        </p:tav>
+                                        <p:tav tm="100000">
+                                          <p:val>
+                                            <p:fltVal val="1"/>
+                                          </p:val>
+                                        </p:tav>
+                                      </p:tavLst>
+                                    </p:anim>
+                                    <p:anim calcmode="lin" valueType="num">
+                                      <p:cBhvr>
+                                        <p:cTn id="37" dur="164" tmFilter="0, 0; 0.125,0.2665; 0.25,0.4; 0.375,0.465; 0.5,0.5;  0.625,0.535; 0.75,0.6; 0.875,0.7335; 1,1">
+                                          <p:stCondLst>
+                                            <p:cond delay="1656"/>
+                                          </p:stCondLst>
+                                        </p:cTn>
+                                        <p:tgtEl>
+                                          <p:spTgt spid="12"/>
+                                        </p:tgtEl>
+                                        <p:attrNameLst>
+                                          <p:attrName>ppt_y</p:attrName>
+                                        </p:attrNameLst>
+                                      </p:cBhvr>
+                                      <p:tavLst>
+                                        <p:tav tm="0" fmla="#ppt_y-sin(pi*$)/81">
+                                          <p:val>
+                                            <p:fltVal val="0"/>
+                                          </p:val>
+                                        </p:tav>
+                                        <p:tav tm="100000">
+                                          <p:val>
+                                            <p:fltVal val="1"/>
+                                          </p:val>
+                                        </p:tav>
+                                      </p:tavLst>
+                                    </p:anim>
+                                    <p:animScale>
+                                      <p:cBhvr>
+                                        <p:cTn id="38" dur="26">
+                                          <p:stCondLst>
+                                            <p:cond delay="650"/>
+                                          </p:stCondLst>
+                                        </p:cTn>
+                                        <p:tgtEl>
+                                          <p:spTgt spid="12"/>
+                                        </p:tgtEl>
+                                      </p:cBhvr>
+                                      <p:to x="100000" y="60000"/>
+                                    </p:animScale>
+                                    <p:animScale>
+                                      <p:cBhvr>
+                                        <p:cTn id="39" dur="166" decel="50000">
+                                          <p:stCondLst>
+                                            <p:cond delay="676"/>
+                                          </p:stCondLst>
+                                        </p:cTn>
+                                        <p:tgtEl>
+                                          <p:spTgt spid="12"/>
+                                        </p:tgtEl>
+                                      </p:cBhvr>
+                                      <p:to x="100000" y="100000"/>
+                                    </p:animScale>
+                                    <p:animScale>
+                                      <p:cBhvr>
+                                        <p:cTn id="40" dur="26">
+                                          <p:stCondLst>
+                                            <p:cond delay="1312"/>
+                                          </p:stCondLst>
+                                        </p:cTn>
+                                        <p:tgtEl>
+                                          <p:spTgt spid="12"/>
+                                        </p:tgtEl>
+                                      </p:cBhvr>
+                                      <p:to x="100000" y="80000"/>
+                                    </p:animScale>
+                                    <p:animScale>
+                                      <p:cBhvr>
+                                        <p:cTn id="41" dur="166" decel="50000">
+                                          <p:stCondLst>
+                                            <p:cond delay="1338"/>
+                                          </p:stCondLst>
+                                        </p:cTn>
+                                        <p:tgtEl>
+                                          <p:spTgt spid="12"/>
+                                        </p:tgtEl>
+                                      </p:cBhvr>
+                                      <p:to x="100000" y="100000"/>
+                                    </p:animScale>
+                                    <p:animScale>
+                                      <p:cBhvr>
+                                        <p:cTn id="42" dur="26">
+                                          <p:stCondLst>
+                                            <p:cond delay="1642"/>
+                                          </p:stCondLst>
+                                        </p:cTn>
+                                        <p:tgtEl>
+                                          <p:spTgt spid="12"/>
+                                        </p:tgtEl>
+                                      </p:cBhvr>
+                                      <p:to x="100000" y="90000"/>
+                                    </p:animScale>
+                                    <p:animScale>
+                                      <p:cBhvr>
+                                        <p:cTn id="43" dur="166" decel="50000">
+                                          <p:stCondLst>
+                                            <p:cond delay="1668"/>
+                                          </p:stCondLst>
+                                        </p:cTn>
+                                        <p:tgtEl>
+                                          <p:spTgt spid="12"/>
+                                        </p:tgtEl>
+                                      </p:cBhvr>
+                                      <p:to x="100000" y="100000"/>
+                                    </p:animScale>
+                                    <p:animScale>
+                                      <p:cBhvr>
+                                        <p:cTn id="44" dur="26">
+                                          <p:stCondLst>
+                                            <p:cond delay="1808"/>
+                                          </p:stCondLst>
+                                        </p:cTn>
+                                        <p:tgtEl>
+                                          <p:spTgt spid="12"/>
+                                        </p:tgtEl>
+                                      </p:cBhvr>
+                                      <p:to x="100000" y="95000"/>
+                                    </p:animScale>
+                                    <p:animScale>
+                                      <p:cBhvr>
+                                        <p:cTn id="45" dur="166" decel="50000">
+                                          <p:stCondLst>
+                                            <p:cond delay="1834"/>
+                                          </p:stCondLst>
+                                        </p:cTn>
+                                        <p:tgtEl>
+                                          <p:spTgt spid="12"/>
+                                        </p:tgtEl>
+                                      </p:cBhvr>
+                                      <p:to x="100000" y="100000"/>
+                                    </p:animScale>
+                                  </p:childTnLst>
+                                </p:cTn>
+                              </p:par>
+                            </p:childTnLst>
+                          </p:cTn>
+                        </p:par>
+                      </p:childTnLst>
+                    </p:cTn>
+                  </p:par>
+                  <p:par>
+                    <p:cTn id="46" fill="hold">
+                      <p:stCondLst>
+                        <p:cond delay="indefinite"/>
+                      </p:stCondLst>
+                      <p:childTnLst>
+                        <p:par>
+                          <p:cTn id="47" fill="hold">
+                            <p:stCondLst>
+                              <p:cond delay="0"/>
+                            </p:stCondLst>
+                            <p:childTnLst>
+                              <p:par>
+                                <p:cTn id="48" presetID="42" presetClass="entr" presetSubtype="0" fill="hold" nodeType="clickEffect">
+                                  <p:stCondLst>
+                                    <p:cond delay="0"/>
+                                  </p:stCondLst>
+                                  <p:childTnLst>
+                                    <p:set>
+                                      <p:cBhvr>
+                                        <p:cTn id="49" dur="1" fill="hold">
+                                          <p:stCondLst>
+                                            <p:cond delay="0"/>
+                                          </p:stCondLst>
+                                        </p:cTn>
+                                        <p:tgtEl>
+                                          <p:spTgt spid="10"/>
+                                        </p:tgtEl>
+                                        <p:attrNameLst>
+                                          <p:attrName>style.visibility</p:attrName>
+                                        </p:attrNameLst>
+                                      </p:cBhvr>
+                                      <p:to>
+                                        <p:strVal val="visible"/>
+                                      </p:to>
+                                    </p:set>
+                                    <p:animEffect transition="in" filter="fade">
+                                      <p:cBhvr>
+                                        <p:cTn id="50" dur="1000"/>
+                                        <p:tgtEl>
+                                          <p:spTgt spid="10"/>
+                                        </p:tgtEl>
+                                      </p:cBhvr>
+                                    </p:animEffect>
+                                    <p:anim calcmode="lin" valueType="num">
+                                      <p:cBhvr>
+                                        <p:cTn id="51" dur="1000" fill="hold"/>
+                                        <p:tgtEl>
+                                          <p:spTgt spid="10"/>
+                                        </p:tgtEl>
+                                        <p:attrNameLst>
+                                          <p:attrName>ppt_x</p:attrName>
+                                        </p:attrNameLst>
+                                      </p:cBhvr>
+                                      <p:tavLst>
+                                        <p:tav tm="0">
+                                          <p:val>
+                                            <p:strVal val="#ppt_x"/>
+                                          </p:val>
+                                        </p:tav>
+                                        <p:tav tm="100000">
+                                          <p:val>
+                                            <p:strVal val="#ppt_x"/>
+                                          </p:val>
+                                        </p:tav>
+                                      </p:tavLst>
+                                    </p:anim>
+                                    <p:anim calcmode="lin" valueType="num">
+                                      <p:cBhvr>
+                                        <p:cTn id="52" dur="1000" fill="hold"/>
+                                        <p:tgtEl>
+                                          <p:spTgt spid="10"/>
+                                        </p:tgtEl>
+                                        <p:attrNameLst>
+                                          <p:attrName>ppt_y</p:attrName>
+                                        </p:attrNameLst>
+                                      </p:cBhvr>
+                                      <p:tavLst>
+                                        <p:tav tm="0">
+                                          <p:val>
+                                            <p:strVal val="#ppt_y+.1"/>
+                                          </p:val>
+                                        </p:tav>
+                                        <p:tav tm="100000">
+                                          <p:val>
+                                            <p:strVal val="#ppt_y"/>
+                                          </p:val>
+                                        </p:tav>
+                                      </p:tavLst>
+                                    </p:anim>
+                                  </p:childTnLst>
+                                </p:cTn>
+                              </p:par>
+                            </p:childTnLst>
+                          </p:cTn>
+                        </p:par>
+                      </p:childTnLst>
+                    </p:cTn>
+                  </p:par>
+                </p:childTnLst>
+              </p:cTn>
+              <p:prevCondLst>
+                <p:cond evt="onPrev" delay="0">
+                  <p:tgtEl>
+                    <p:sldTgt/>
+                  </p:tgtEl>
+                </p:cond>
+              </p:prevCondLst>
+              <p:nextCondLst>
+                <p:cond evt="onNext" delay="0">
+                  <p:tgtEl>
+                    <p:sldTgt/>
+                  </p:tgtEl>
+                </p:cond>
+              </p:nextCondLst>
+            </p:seq>
+          </p:childTnLst>
+        </p:cTn>
+      </p:par>
+    </p:tnLst>
+    <p:bldLst>
+      <p:bldP spid="2" grpId="0" animBg="1"/>
+      <p:bldP spid="12" grpId="0" animBg="1"/>
+    </p:bldLst>
+  </p:timing>
 </p:sld>
 </file>
 
@@ -4842,84 +6127,6 @@
           <a:chExt cx="0" cy="0"/>
         </a:xfrm>
       </p:grpSpPr>
-      <p:sp>
-        <p:nvSpPr>
-          <p:cNvPr id="18" name="ZoneTexte 17">
-            <a:extLst>
-              <a:ext uri="{FF2B5EF4-FFF2-40B4-BE49-F238E27FC236}">
-                <a16:creationId xmlns:a16="http://schemas.microsoft.com/office/drawing/2014/main" id="{4D95C015-5AC9-4BCD-B303-639A3A5B1401}"/>
-              </a:ext>
-            </a:extLst>
-          </p:cNvPr>
-          <p:cNvSpPr txBox="1"/>
-          <p:nvPr/>
-        </p:nvSpPr>
-        <p:spPr>
-          <a:xfrm>
-            <a:off x="466725" y="1097102"/>
-            <a:ext cx="11258550" cy="677108"/>
-          </a:xfrm>
-          <a:prstGeom prst="rect">
-            <a:avLst/>
-          </a:prstGeom>
-          <a:solidFill>
-            <a:schemeClr val="accent5">
-              <a:lumMod val="60000"/>
-              <a:lumOff val="40000"/>
-            </a:schemeClr>
-          </a:solidFill>
-          <a:ln>
-            <a:solidFill>
-              <a:schemeClr val="accent1">
-                <a:lumMod val="50000"/>
-              </a:schemeClr>
-            </a:solidFill>
-          </a:ln>
-        </p:spPr>
-        <p:txBody>
-          <a:bodyPr wrap="square" rtlCol="0">
-            <a:spAutoFit/>
-          </a:bodyPr>
-          <a:lstStyle/>
-          <a:p>
-            <a:pPr algn="ctr"/>
-            <a:r>
-              <a:rPr lang="fr-FR" sz="2000" b="1" dirty="0">
-                <a:latin typeface="Times New Roman" panose="02020603050405020304" pitchFamily="18" charset="0"/>
-                <a:cs typeface="Times New Roman" panose="02020603050405020304" pitchFamily="18" charset="0"/>
-              </a:rPr>
-              <a:t>Les mots </a:t>
-            </a:r>
-            <a:r>
-              <a:rPr lang="fr-FR" sz="2000" b="1" cap="none" dirty="0">
-                <a:solidFill>
-                  <a:srgbClr val="FF0000"/>
-                </a:solidFill>
-                <a:latin typeface="Times New Roman" panose="02020603050405020304" pitchFamily="18" charset="0"/>
-                <a:cs typeface="Times New Roman" panose="02020603050405020304" pitchFamily="18" charset="0"/>
-              </a:rPr>
-              <a:t>« vérifier, démontrer et déduire » </a:t>
-            </a:r>
-            <a:r>
-              <a:rPr lang="fr-FR" sz="2000" b="1" dirty="0">
-                <a:latin typeface="Times New Roman" panose="02020603050405020304" pitchFamily="18" charset="0"/>
-                <a:cs typeface="Times New Roman" panose="02020603050405020304" pitchFamily="18" charset="0"/>
-              </a:rPr>
-              <a:t>ne sont pas employés au hasard</a:t>
-            </a:r>
-            <a:r>
-              <a:rPr lang="fr-FR" b="1" dirty="0">
-                <a:latin typeface="Times New Roman" panose="02020603050405020304" pitchFamily="18" charset="0"/>
-                <a:cs typeface="Times New Roman" panose="02020603050405020304" pitchFamily="18" charset="0"/>
-              </a:rPr>
-              <a:t>.</a:t>
-            </a:r>
-          </a:p>
-          <a:p>
-            <a:endParaRPr lang="fr-FR" dirty="0"/>
-          </a:p>
-        </p:txBody>
-      </p:sp>
       <p:sp>
         <p:nvSpPr>
           <p:cNvPr id="5" name="Titre 1">
@@ -5332,6 +6539,84 @@
           </p:txBody>
         </p:sp>
       </p:grpSp>
+      <p:sp>
+        <p:nvSpPr>
+          <p:cNvPr id="10" name="ZoneTexte 9">
+            <a:extLst>
+              <a:ext uri="{FF2B5EF4-FFF2-40B4-BE49-F238E27FC236}">
+                <a16:creationId xmlns:a16="http://schemas.microsoft.com/office/drawing/2014/main" id="{67726595-B6A8-402E-8E65-BC6BA46899E3}"/>
+              </a:ext>
+            </a:extLst>
+          </p:cNvPr>
+          <p:cNvSpPr txBox="1"/>
+          <p:nvPr/>
+        </p:nvSpPr>
+        <p:spPr>
+          <a:xfrm>
+            <a:off x="466725" y="1097102"/>
+            <a:ext cx="11258550" cy="677108"/>
+          </a:xfrm>
+          <a:prstGeom prst="rect">
+            <a:avLst/>
+          </a:prstGeom>
+          <a:solidFill>
+            <a:schemeClr val="accent5">
+              <a:lumMod val="60000"/>
+              <a:lumOff val="40000"/>
+            </a:schemeClr>
+          </a:solidFill>
+          <a:ln>
+            <a:solidFill>
+              <a:schemeClr val="accent1">
+                <a:lumMod val="50000"/>
+              </a:schemeClr>
+            </a:solidFill>
+          </a:ln>
+        </p:spPr>
+        <p:txBody>
+          <a:bodyPr wrap="square" rtlCol="0">
+            <a:spAutoFit/>
+          </a:bodyPr>
+          <a:lstStyle/>
+          <a:p>
+            <a:pPr algn="ctr"/>
+            <a:r>
+              <a:rPr lang="fr-FR" sz="2000" b="1" dirty="0">
+                <a:latin typeface="Times New Roman" panose="02020603050405020304" pitchFamily="18" charset="0"/>
+                <a:cs typeface="Times New Roman" panose="02020603050405020304" pitchFamily="18" charset="0"/>
+              </a:rPr>
+              <a:t>Les mots </a:t>
+            </a:r>
+            <a:r>
+              <a:rPr lang="fr-FR" sz="2000" b="1" cap="none" dirty="0">
+                <a:solidFill>
+                  <a:srgbClr val="FF0000"/>
+                </a:solidFill>
+                <a:latin typeface="Times New Roman" panose="02020603050405020304" pitchFamily="18" charset="0"/>
+                <a:cs typeface="Times New Roman" panose="02020603050405020304" pitchFamily="18" charset="0"/>
+              </a:rPr>
+              <a:t>« vérifier, démontrer et déduire » </a:t>
+            </a:r>
+            <a:r>
+              <a:rPr lang="fr-FR" sz="2000" b="1" dirty="0">
+                <a:latin typeface="Times New Roman" panose="02020603050405020304" pitchFamily="18" charset="0"/>
+                <a:cs typeface="Times New Roman" panose="02020603050405020304" pitchFamily="18" charset="0"/>
+              </a:rPr>
+              <a:t>ne sont pas employés au hasard</a:t>
+            </a:r>
+            <a:r>
+              <a:rPr lang="fr-FR" b="1" dirty="0">
+                <a:latin typeface="Times New Roman" panose="02020603050405020304" pitchFamily="18" charset="0"/>
+                <a:cs typeface="Times New Roman" panose="02020603050405020304" pitchFamily="18" charset="0"/>
+              </a:rPr>
+              <a:t>.</a:t>
+            </a:r>
+          </a:p>
+          <a:p>
+            <a:endParaRPr lang="fr-FR" dirty="0"/>
+          </a:p>
+        </p:txBody>
+      </p:sp>
     </p:spTree>
     <p:extLst>
       <p:ext uri="{BB962C8B-B14F-4D97-AF65-F5344CB8AC3E}">
@@ -5342,6 +6627,441 @@
   <p:clrMapOvr>
     <a:masterClrMapping/>
   </p:clrMapOvr>
+  <mc:AlternateContent xmlns:mc="http://schemas.openxmlformats.org/markup-compatibility/2006">
+    <mc:Choice xmlns:p14="http://schemas.microsoft.com/office/powerpoint/2010/main" Requires="p14">
+      <p:transition spd="slow" p14:dur="3900">
+        <p14:glitter dir="d" pattern="hexagon"/>
+      </p:transition>
+    </mc:Choice>
+    <mc:Fallback>
+      <p:transition spd="slow">
+        <p:fade/>
+      </p:transition>
+    </mc:Fallback>
+  </mc:AlternateContent>
+  <p:timing>
+    <p:tnLst>
+      <p:par>
+        <p:cTn id="1" dur="indefinite" restart="never" nodeType="tmRoot">
+          <p:childTnLst>
+            <p:seq concurrent="1" nextAc="seek">
+              <p:cTn id="2" dur="indefinite" nodeType="mainSeq">
+                <p:childTnLst>
+                  <p:par>
+                    <p:cTn id="3" fill="hold">
+                      <p:stCondLst>
+                        <p:cond delay="indefinite"/>
+                      </p:stCondLst>
+                      <p:childTnLst>
+                        <p:par>
+                          <p:cTn id="4" fill="hold">
+                            <p:stCondLst>
+                              <p:cond delay="0"/>
+                            </p:stCondLst>
+                            <p:childTnLst>
+                              <p:par>
+                                <p:cTn id="5" presetID="53" presetClass="entr" presetSubtype="16" fill="hold" grpId="0" nodeType="clickEffect">
+                                  <p:stCondLst>
+                                    <p:cond delay="0"/>
+                                  </p:stCondLst>
+                                  <p:childTnLst>
+                                    <p:set>
+                                      <p:cBhvr>
+                                        <p:cTn id="6" dur="1" fill="hold">
+                                          <p:stCondLst>
+                                            <p:cond delay="0"/>
+                                          </p:stCondLst>
+                                        </p:cTn>
+                                        <p:tgtEl>
+                                          <p:spTgt spid="10"/>
+                                        </p:tgtEl>
+                                        <p:attrNameLst>
+                                          <p:attrName>style.visibility</p:attrName>
+                                        </p:attrNameLst>
+                                      </p:cBhvr>
+                                      <p:to>
+                                        <p:strVal val="visible"/>
+                                      </p:to>
+                                    </p:set>
+                                    <p:anim calcmode="lin" valueType="num">
+                                      <p:cBhvr>
+                                        <p:cTn id="7" dur="1000" fill="hold"/>
+                                        <p:tgtEl>
+                                          <p:spTgt spid="10"/>
+                                        </p:tgtEl>
+                                        <p:attrNameLst>
+                                          <p:attrName>ppt_w</p:attrName>
+                                        </p:attrNameLst>
+                                      </p:cBhvr>
+                                      <p:tavLst>
+                                        <p:tav tm="0">
+                                          <p:val>
+                                            <p:fltVal val="0"/>
+                                          </p:val>
+                                        </p:tav>
+                                        <p:tav tm="100000">
+                                          <p:val>
+                                            <p:strVal val="#ppt_w"/>
+                                          </p:val>
+                                        </p:tav>
+                                      </p:tavLst>
+                                    </p:anim>
+                                    <p:anim calcmode="lin" valueType="num">
+                                      <p:cBhvr>
+                                        <p:cTn id="8" dur="1000" fill="hold"/>
+                                        <p:tgtEl>
+                                          <p:spTgt spid="10"/>
+                                        </p:tgtEl>
+                                        <p:attrNameLst>
+                                          <p:attrName>ppt_h</p:attrName>
+                                        </p:attrNameLst>
+                                      </p:cBhvr>
+                                      <p:tavLst>
+                                        <p:tav tm="0">
+                                          <p:val>
+                                            <p:fltVal val="0"/>
+                                          </p:val>
+                                        </p:tav>
+                                        <p:tav tm="100000">
+                                          <p:val>
+                                            <p:strVal val="#ppt_h"/>
+                                          </p:val>
+                                        </p:tav>
+                                      </p:tavLst>
+                                    </p:anim>
+                                    <p:animEffect transition="in" filter="fade">
+                                      <p:cBhvr>
+                                        <p:cTn id="9" dur="1000"/>
+                                        <p:tgtEl>
+                                          <p:spTgt spid="10"/>
+                                        </p:tgtEl>
+                                      </p:cBhvr>
+                                    </p:animEffect>
+                                  </p:childTnLst>
+                                </p:cTn>
+                              </p:par>
+                            </p:childTnLst>
+                          </p:cTn>
+                        </p:par>
+                      </p:childTnLst>
+                    </p:cTn>
+                  </p:par>
+                  <p:par>
+                    <p:cTn id="10" fill="hold">
+                      <p:stCondLst>
+                        <p:cond delay="indefinite"/>
+                      </p:stCondLst>
+                      <p:childTnLst>
+                        <p:par>
+                          <p:cTn id="11" fill="hold">
+                            <p:stCondLst>
+                              <p:cond delay="0"/>
+                            </p:stCondLst>
+                            <p:childTnLst>
+                              <p:par>
+                                <p:cTn id="12" presetID="2" presetClass="entr" presetSubtype="4" fill="hold" nodeType="clickEffect">
+                                  <p:stCondLst>
+                                    <p:cond delay="0"/>
+                                  </p:stCondLst>
+                                  <p:childTnLst>
+                                    <p:set>
+                                      <p:cBhvr>
+                                        <p:cTn id="13" dur="1" fill="hold">
+                                          <p:stCondLst>
+                                            <p:cond delay="0"/>
+                                          </p:stCondLst>
+                                        </p:cTn>
+                                        <p:tgtEl>
+                                          <p:spTgt spid="24"/>
+                                        </p:tgtEl>
+                                        <p:attrNameLst>
+                                          <p:attrName>style.visibility</p:attrName>
+                                        </p:attrNameLst>
+                                      </p:cBhvr>
+                                      <p:to>
+                                        <p:strVal val="visible"/>
+                                      </p:to>
+                                    </p:set>
+                                    <p:anim calcmode="lin" valueType="num">
+                                      <p:cBhvr additive="base">
+                                        <p:cTn id="14" dur="1500" fill="hold"/>
+                                        <p:tgtEl>
+                                          <p:spTgt spid="24"/>
+                                        </p:tgtEl>
+                                        <p:attrNameLst>
+                                          <p:attrName>ppt_x</p:attrName>
+                                        </p:attrNameLst>
+                                      </p:cBhvr>
+                                      <p:tavLst>
+                                        <p:tav tm="0">
+                                          <p:val>
+                                            <p:strVal val="#ppt_x"/>
+                                          </p:val>
+                                        </p:tav>
+                                        <p:tav tm="100000">
+                                          <p:val>
+                                            <p:strVal val="#ppt_x"/>
+                                          </p:val>
+                                        </p:tav>
+                                      </p:tavLst>
+                                    </p:anim>
+                                    <p:anim calcmode="lin" valueType="num">
+                                      <p:cBhvr additive="base">
+                                        <p:cTn id="15" dur="1500" fill="hold"/>
+                                        <p:tgtEl>
+                                          <p:spTgt spid="24"/>
+                                        </p:tgtEl>
+                                        <p:attrNameLst>
+                                          <p:attrName>ppt_y</p:attrName>
+                                        </p:attrNameLst>
+                                      </p:cBhvr>
+                                      <p:tavLst>
+                                        <p:tav tm="0">
+                                          <p:val>
+                                            <p:strVal val="1+#ppt_h/2"/>
+                                          </p:val>
+                                        </p:tav>
+                                        <p:tav tm="100000">
+                                          <p:val>
+                                            <p:strVal val="#ppt_y"/>
+                                          </p:val>
+                                        </p:tav>
+                                      </p:tavLst>
+                                    </p:anim>
+                                  </p:childTnLst>
+                                </p:cTn>
+                              </p:par>
+                            </p:childTnLst>
+                          </p:cTn>
+                        </p:par>
+                      </p:childTnLst>
+                    </p:cTn>
+                  </p:par>
+                  <p:par>
+                    <p:cTn id="16" fill="hold">
+                      <p:stCondLst>
+                        <p:cond delay="indefinite"/>
+                      </p:stCondLst>
+                      <p:childTnLst>
+                        <p:par>
+                          <p:cTn id="17" fill="hold">
+                            <p:stCondLst>
+                              <p:cond delay="0"/>
+                            </p:stCondLst>
+                            <p:childTnLst>
+                              <p:par>
+                                <p:cTn id="18" presetID="21" presetClass="entr" presetSubtype="1" fill="hold" grpId="0" nodeType="clickEffect">
+                                  <p:stCondLst>
+                                    <p:cond delay="0"/>
+                                  </p:stCondLst>
+                                  <p:childTnLst>
+                                    <p:set>
+                                      <p:cBhvr>
+                                        <p:cTn id="19" dur="1" fill="hold">
+                                          <p:stCondLst>
+                                            <p:cond delay="0"/>
+                                          </p:stCondLst>
+                                        </p:cTn>
+                                        <p:tgtEl>
+                                          <p:spTgt spid="20"/>
+                                        </p:tgtEl>
+                                        <p:attrNameLst>
+                                          <p:attrName>style.visibility</p:attrName>
+                                        </p:attrNameLst>
+                                      </p:cBhvr>
+                                      <p:to>
+                                        <p:strVal val="visible"/>
+                                      </p:to>
+                                    </p:set>
+                                    <p:animEffect transition="in" filter="wheel(1)">
+                                      <p:cBhvr>
+                                        <p:cTn id="20" dur="2000"/>
+                                        <p:tgtEl>
+                                          <p:spTgt spid="20"/>
+                                        </p:tgtEl>
+                                      </p:cBhvr>
+                                    </p:animEffect>
+                                  </p:childTnLst>
+                                </p:cTn>
+                              </p:par>
+                            </p:childTnLst>
+                          </p:cTn>
+                        </p:par>
+                      </p:childTnLst>
+                    </p:cTn>
+                  </p:par>
+                  <p:par>
+                    <p:cTn id="21" fill="hold">
+                      <p:stCondLst>
+                        <p:cond delay="indefinite"/>
+                      </p:stCondLst>
+                      <p:childTnLst>
+                        <p:par>
+                          <p:cTn id="22" fill="hold">
+                            <p:stCondLst>
+                              <p:cond delay="0"/>
+                            </p:stCondLst>
+                            <p:childTnLst>
+                              <p:par>
+                                <p:cTn id="23" presetID="21" presetClass="entr" presetSubtype="1" fill="hold" grpId="0" nodeType="clickEffect">
+                                  <p:stCondLst>
+                                    <p:cond delay="0"/>
+                                  </p:stCondLst>
+                                  <p:childTnLst>
+                                    <p:set>
+                                      <p:cBhvr>
+                                        <p:cTn id="24" dur="1" fill="hold">
+                                          <p:stCondLst>
+                                            <p:cond delay="0"/>
+                                          </p:stCondLst>
+                                        </p:cTn>
+                                        <p:tgtEl>
+                                          <p:spTgt spid="21"/>
+                                        </p:tgtEl>
+                                        <p:attrNameLst>
+                                          <p:attrName>style.visibility</p:attrName>
+                                        </p:attrNameLst>
+                                      </p:cBhvr>
+                                      <p:to>
+                                        <p:strVal val="visible"/>
+                                      </p:to>
+                                    </p:set>
+                                    <p:animEffect transition="in" filter="wheel(1)">
+                                      <p:cBhvr>
+                                        <p:cTn id="25" dur="2000"/>
+                                        <p:tgtEl>
+                                          <p:spTgt spid="21"/>
+                                        </p:tgtEl>
+                                      </p:cBhvr>
+                                    </p:animEffect>
+                                  </p:childTnLst>
+                                </p:cTn>
+                              </p:par>
+                            </p:childTnLst>
+                          </p:cTn>
+                        </p:par>
+                      </p:childTnLst>
+                    </p:cTn>
+                  </p:par>
+                  <p:par>
+                    <p:cTn id="26" fill="hold">
+                      <p:stCondLst>
+                        <p:cond delay="indefinite"/>
+                      </p:stCondLst>
+                      <p:childTnLst>
+                        <p:par>
+                          <p:cTn id="27" fill="hold">
+                            <p:stCondLst>
+                              <p:cond delay="0"/>
+                            </p:stCondLst>
+                            <p:childTnLst>
+                              <p:par>
+                                <p:cTn id="28" presetID="2" presetClass="entr" presetSubtype="4" fill="hold" grpId="0" nodeType="clickEffect">
+                                  <p:stCondLst>
+                                    <p:cond delay="0"/>
+                                  </p:stCondLst>
+                                  <p:childTnLst>
+                                    <p:set>
+                                      <p:cBhvr>
+                                        <p:cTn id="29" dur="1" fill="hold">
+                                          <p:stCondLst>
+                                            <p:cond delay="0"/>
+                                          </p:stCondLst>
+                                        </p:cTn>
+                                        <p:tgtEl>
+                                          <p:spTgt spid="19"/>
+                                        </p:tgtEl>
+                                        <p:attrNameLst>
+                                          <p:attrName>style.visibility</p:attrName>
+                                        </p:attrNameLst>
+                                      </p:cBhvr>
+                                      <p:to>
+                                        <p:strVal val="visible"/>
+                                      </p:to>
+                                    </p:set>
+                                    <p:anim calcmode="lin" valueType="num">
+                                      <p:cBhvr additive="base">
+                                        <p:cTn id="30" dur="1500" fill="hold"/>
+                                        <p:tgtEl>
+                                          <p:spTgt spid="19"/>
+                                        </p:tgtEl>
+                                        <p:attrNameLst>
+                                          <p:attrName>ppt_x</p:attrName>
+                                        </p:attrNameLst>
+                                      </p:cBhvr>
+                                      <p:tavLst>
+                                        <p:tav tm="0">
+                                          <p:val>
+                                            <p:strVal val="#ppt_x"/>
+                                          </p:val>
+                                        </p:tav>
+                                        <p:tav tm="100000">
+                                          <p:val>
+                                            <p:strVal val="#ppt_x"/>
+                                          </p:val>
+                                        </p:tav>
+                                      </p:tavLst>
+                                    </p:anim>
+                                    <p:anim calcmode="lin" valueType="num">
+                                      <p:cBhvr additive="base">
+                                        <p:cTn id="31" dur="1500" fill="hold"/>
+                                        <p:tgtEl>
+                                          <p:spTgt spid="19"/>
+                                        </p:tgtEl>
+                                        <p:attrNameLst>
+                                          <p:attrName>ppt_y</p:attrName>
+                                        </p:attrNameLst>
+                                      </p:cBhvr>
+                                      <p:tavLst>
+                                        <p:tav tm="0">
+                                          <p:val>
+                                            <p:strVal val="1+#ppt_h/2"/>
+                                          </p:val>
+                                        </p:tav>
+                                        <p:tav tm="100000">
+                                          <p:val>
+                                            <p:strVal val="#ppt_y"/>
+                                          </p:val>
+                                        </p:tav>
+                                      </p:tavLst>
+                                    </p:anim>
+                                  </p:childTnLst>
+                                </p:cTn>
+                              </p:par>
+                            </p:childTnLst>
+                          </p:cTn>
+                        </p:par>
+                      </p:childTnLst>
+                    </p:cTn>
+                  </p:par>
+                </p:childTnLst>
+              </p:cTn>
+              <p:prevCondLst>
+                <p:cond evt="onPrev" delay="0">
+                  <p:tgtEl>
+                    <p:sldTgt/>
+                  </p:tgtEl>
+                </p:cond>
+              </p:prevCondLst>
+              <p:nextCondLst>
+                <p:cond evt="onNext" delay="0">
+                  <p:tgtEl>
+                    <p:sldTgt/>
+                  </p:tgtEl>
+                </p:cond>
+              </p:nextCondLst>
+            </p:seq>
+          </p:childTnLst>
+        </p:cTn>
+      </p:par>
+    </p:tnLst>
+    <p:bldLst>
+      <p:bldP spid="19" grpId="0" animBg="1"/>
+      <p:bldP spid="20" grpId="0" animBg="1"/>
+      <p:bldP spid="21" grpId="0" animBg="1"/>
+      <p:bldP spid="10" grpId="0" animBg="1"/>
+    </p:bldLst>
+  </p:timing>
 </p:sld>
 </file>
 
@@ -5462,12 +7182,54 @@
           </a:p>
         </p:txBody>
       </p:sp>
+      <p:sp>
+        <p:nvSpPr>
+          <p:cNvPr id="8" name="ZoneTexte 7">
+            <a:extLst>
+              <a:ext uri="{FF2B5EF4-FFF2-40B4-BE49-F238E27FC236}">
+                <a16:creationId xmlns:a16="http://schemas.microsoft.com/office/drawing/2014/main" id="{F4999180-AD7B-4925-90A8-2B34DC4F5EF3}"/>
+              </a:ext>
+            </a:extLst>
+          </p:cNvPr>
+          <p:cNvSpPr txBox="1"/>
+          <p:nvPr/>
+        </p:nvSpPr>
+        <p:spPr>
+          <a:xfrm>
+            <a:off x="466725" y="1609617"/>
+            <a:ext cx="2690813" cy="707886"/>
+          </a:xfrm>
+          <a:prstGeom prst="rect">
+            <a:avLst/>
+          </a:prstGeom>
+          <a:solidFill>
+            <a:schemeClr val="accent2">
+              <a:lumMod val="20000"/>
+              <a:lumOff val="80000"/>
+            </a:schemeClr>
+          </a:solidFill>
+        </p:spPr>
+        <p:txBody>
+          <a:bodyPr wrap="square" rtlCol="0">
+            <a:spAutoFit/>
+          </a:bodyPr>
+          <a:lstStyle/>
+          <a:p>
+            <a:r>
+              <a:rPr lang="fr-FR" sz="4000" b="1" dirty="0">
+                <a:latin typeface="Bodoni MT Black" panose="02070A03080606020203" pitchFamily="18" charset="0"/>
+              </a:rPr>
+              <a:t>Conseil 4</a:t>
+            </a:r>
+          </a:p>
+        </p:txBody>
+      </p:sp>
       <p:grpSp>
         <p:nvGrpSpPr>
-          <p:cNvPr id="7" name="Groupe 6">
+          <p:cNvPr id="4" name="Groupe 3">
             <a:extLst>
               <a:ext uri="{FF2B5EF4-FFF2-40B4-BE49-F238E27FC236}">
-                <a16:creationId xmlns:a16="http://schemas.microsoft.com/office/drawing/2014/main" id="{AEAC1C24-6A43-44FC-A8B3-16F4011BB368}"/>
+                <a16:creationId xmlns:a16="http://schemas.microsoft.com/office/drawing/2014/main" id="{0C83A3D6-6937-4051-A4F3-34645E76A407}"/>
               </a:ext>
             </a:extLst>
           </p:cNvPr>
@@ -5476,54 +7238,12 @@
         </p:nvGrpSpPr>
         <p:grpSpPr>
           <a:xfrm>
-            <a:off x="466725" y="1142250"/>
-            <a:ext cx="11258550" cy="1819306"/>
-            <a:chOff x="466725" y="1640894"/>
-            <a:chExt cx="11258550" cy="1819306"/>
+            <a:off x="2943225" y="1142250"/>
+            <a:ext cx="8782050" cy="1819306"/>
+            <a:chOff x="2943225" y="1142250"/>
+            <a:chExt cx="8782050" cy="1819306"/>
           </a:xfrm>
         </p:grpSpPr>
-        <p:sp>
-          <p:nvSpPr>
-            <p:cNvPr id="8" name="ZoneTexte 7">
-              <a:extLst>
-                <a:ext uri="{FF2B5EF4-FFF2-40B4-BE49-F238E27FC236}">
-                  <a16:creationId xmlns:a16="http://schemas.microsoft.com/office/drawing/2014/main" id="{F4999180-AD7B-4925-90A8-2B34DC4F5EF3}"/>
-                </a:ext>
-              </a:extLst>
-            </p:cNvPr>
-            <p:cNvSpPr txBox="1"/>
-            <p:nvPr/>
-          </p:nvSpPr>
-          <p:spPr>
-            <a:xfrm>
-              <a:off x="466725" y="2108261"/>
-              <a:ext cx="2690813" cy="707886"/>
-            </a:xfrm>
-            <a:prstGeom prst="rect">
-              <a:avLst/>
-            </a:prstGeom>
-            <a:solidFill>
-              <a:schemeClr val="accent2">
-                <a:lumMod val="20000"/>
-                <a:lumOff val="80000"/>
-              </a:schemeClr>
-            </a:solidFill>
-          </p:spPr>
-          <p:txBody>
-            <a:bodyPr wrap="square" rtlCol="0">
-              <a:spAutoFit/>
-            </a:bodyPr>
-            <a:lstStyle/>
-            <a:p>
-              <a:r>
-                <a:rPr lang="fr-FR" sz="4000" b="1" dirty="0">
-                  <a:latin typeface="Bodoni MT Black" panose="02070A03080606020203" pitchFamily="18" charset="0"/>
-                </a:rPr>
-                <a:t>Conseil 4</a:t>
-              </a:r>
-            </a:p>
-          </p:txBody>
-        </p:sp>
         <p:sp>
           <p:nvSpPr>
             <p:cNvPr id="9" name="Légende : flèche vers la gauche 8">
@@ -5538,7 +7258,7 @@
           </p:nvSpPr>
           <p:spPr>
             <a:xfrm>
-              <a:off x="2943225" y="1640894"/>
+              <a:off x="2943225" y="1142250"/>
               <a:ext cx="8782050" cy="1642620"/>
             </a:xfrm>
             <a:prstGeom prst="leftArrowCallout">
@@ -5595,7 +7315,7 @@
           </p:nvSpPr>
           <p:spPr>
             <a:xfrm>
-              <a:off x="3609975" y="1675096"/>
+              <a:off x="3609975" y="1176452"/>
               <a:ext cx="8115300" cy="1785104"/>
             </a:xfrm>
             <a:prstGeom prst="rect">
@@ -5804,144 +7524,165 @@
           </p:txBody>
         </p:sp>
       </p:grpSp>
-      <p:sp>
-        <p:nvSpPr>
-          <p:cNvPr id="15" name="Flèche : angle droit 14">
+      <p:grpSp>
+        <p:nvGrpSpPr>
+          <p:cNvPr id="6" name="Groupe 5">
             <a:extLst>
               <a:ext uri="{FF2B5EF4-FFF2-40B4-BE49-F238E27FC236}">
-                <a16:creationId xmlns:a16="http://schemas.microsoft.com/office/drawing/2014/main" id="{4DC70B60-2DD9-4624-B7E1-C158D5F5BEC9}"/>
+                <a16:creationId xmlns:a16="http://schemas.microsoft.com/office/drawing/2014/main" id="{B55A7458-C171-42BE-986C-EACE9C9979E4}"/>
               </a:ext>
             </a:extLst>
           </p:cNvPr>
-          <p:cNvSpPr/>
+          <p:cNvGrpSpPr/>
           <p:nvPr/>
-        </p:nvSpPr>
-        <p:spPr>
+        </p:nvGrpSpPr>
+        <p:grpSpPr>
           <a:xfrm>
             <a:off x="466725" y="2317503"/>
             <a:ext cx="11024876" cy="3243824"/>
+            <a:chOff x="466725" y="2317503"/>
+            <a:chExt cx="11024876" cy="3243824"/>
           </a:xfrm>
-          <a:prstGeom prst="bentUpArrow">
-            <a:avLst>
-              <a:gd name="adj1" fmla="val 50000"/>
-              <a:gd name="adj2" fmla="val 13509"/>
-              <a:gd name="adj3" fmla="val 25659"/>
-            </a:avLst>
-          </a:prstGeom>
-          <a:solidFill>
-            <a:schemeClr val="accent1">
-              <a:lumMod val="20000"/>
-              <a:lumOff val="80000"/>
-            </a:schemeClr>
-          </a:solidFill>
-        </p:spPr>
-        <p:style>
-          <a:lnRef idx="2">
-            <a:schemeClr val="accent1">
-              <a:shade val="50000"/>
-            </a:schemeClr>
-          </a:lnRef>
-          <a:fillRef idx="1">
-            <a:schemeClr val="accent1"/>
-          </a:fillRef>
-          <a:effectRef idx="0">
-            <a:schemeClr val="accent1"/>
-          </a:effectRef>
-          <a:fontRef idx="minor">
-            <a:schemeClr val="lt1"/>
-          </a:fontRef>
-        </p:style>
-        <p:txBody>
-          <a:bodyPr rtlCol="0" anchor="ctr"/>
-          <a:lstStyle/>
-          <a:p>
-            <a:pPr algn="ctr"/>
-            <a:endParaRPr lang="fr-FR"/>
-          </a:p>
-        </p:txBody>
-      </p:sp>
-      <p:sp>
-        <p:nvSpPr>
-          <p:cNvPr id="16" name="ZoneTexte 15">
-            <a:extLst>
-              <a:ext uri="{FF2B5EF4-FFF2-40B4-BE49-F238E27FC236}">
-                <a16:creationId xmlns:a16="http://schemas.microsoft.com/office/drawing/2014/main" id="{5C3CF733-E51A-4F7D-AC97-2689CE916E1D}"/>
-              </a:ext>
-            </a:extLst>
-          </p:cNvPr>
-          <p:cNvSpPr txBox="1"/>
-          <p:nvPr/>
-        </p:nvSpPr>
-        <p:spPr>
-          <a:xfrm>
-            <a:off x="547374" y="3868176"/>
-            <a:ext cx="9587226" cy="1569660"/>
-          </a:xfrm>
-          <a:prstGeom prst="rect">
-            <a:avLst/>
-          </a:prstGeom>
-          <a:noFill/>
-        </p:spPr>
-        <p:txBody>
-          <a:bodyPr wrap="square" rtlCol="0">
-            <a:spAutoFit/>
-          </a:bodyPr>
-          <a:lstStyle/>
-          <a:p>
-            <a:pPr algn="just">
-              <a:buFont typeface="Wingdings" panose="05000000000000000000" pitchFamily="2" charset="2"/>
-              <a:buChar char="v"/>
-            </a:pPr>
-            <a:r>
-              <a:rPr lang="fr-FR" sz="2400" b="1" dirty="0">
-                <a:latin typeface="Times New Roman" panose="02020603050405020304" pitchFamily="18" charset="0"/>
-                <a:cs typeface="Times New Roman" panose="02020603050405020304" pitchFamily="18" charset="0"/>
-              </a:rPr>
-              <a:t>Ce qui est nouveau qu’on vous demande, </a:t>
-            </a:r>
-            <a:r>
-              <a:rPr lang="fr-FR" sz="2400" b="1" dirty="0">
-                <a:solidFill>
-                  <a:srgbClr val="7030A0"/>
-                </a:solidFill>
-                <a:latin typeface="Times New Roman" panose="02020603050405020304" pitchFamily="18" charset="0"/>
-                <a:cs typeface="Times New Roman" panose="02020603050405020304" pitchFamily="18" charset="0"/>
-              </a:rPr>
-              <a:t>c’est la conclusion</a:t>
-            </a:r>
-            <a:r>
-              <a:rPr lang="fr-FR" sz="2400" b="1" dirty="0">
-                <a:latin typeface="Times New Roman" panose="02020603050405020304" pitchFamily="18" charset="0"/>
-                <a:cs typeface="Times New Roman" panose="02020603050405020304" pitchFamily="18" charset="0"/>
-              </a:rPr>
-              <a:t>.</a:t>
-            </a:r>
-          </a:p>
-          <a:p>
-            <a:pPr algn="just">
-              <a:buFont typeface="Wingdings" panose="05000000000000000000" pitchFamily="2" charset="2"/>
-              <a:buChar char="v"/>
-            </a:pPr>
-            <a:r>
-              <a:rPr lang="fr-FR" sz="2400" b="1" dirty="0">
-                <a:latin typeface="Times New Roman" panose="02020603050405020304" pitchFamily="18" charset="0"/>
-                <a:cs typeface="Times New Roman" panose="02020603050405020304" pitchFamily="18" charset="0"/>
-              </a:rPr>
-              <a:t>Au cours de la démonstration, vous pouvez utiliser: </a:t>
-            </a:r>
-            <a:r>
-              <a:rPr lang="fr-FR" sz="2400" b="1" dirty="0">
-                <a:solidFill>
-                  <a:srgbClr val="7030A0"/>
-                </a:solidFill>
-                <a:latin typeface="Times New Roman" panose="02020603050405020304" pitchFamily="18" charset="0"/>
-                <a:cs typeface="Times New Roman" panose="02020603050405020304" pitchFamily="18" charset="0"/>
-              </a:rPr>
-              <a:t>les définitions, les théorèmes connus, les résultats des questions précédentes, les règles et les méthodes faisant partie du cours.</a:t>
-            </a:r>
-          </a:p>
-        </p:txBody>
-      </p:sp>
+        </p:grpSpPr>
+        <p:sp>
+          <p:nvSpPr>
+            <p:cNvPr id="15" name="Flèche : angle droit 14">
+              <a:extLst>
+                <a:ext uri="{FF2B5EF4-FFF2-40B4-BE49-F238E27FC236}">
+                  <a16:creationId xmlns:a16="http://schemas.microsoft.com/office/drawing/2014/main" id="{4DC70B60-2DD9-4624-B7E1-C158D5F5BEC9}"/>
+                </a:ext>
+              </a:extLst>
+            </p:cNvPr>
+            <p:cNvSpPr/>
+            <p:nvPr/>
+          </p:nvSpPr>
+          <p:spPr>
+            <a:xfrm>
+              <a:off x="466725" y="2317503"/>
+              <a:ext cx="11024876" cy="3243824"/>
+            </a:xfrm>
+            <a:prstGeom prst="bentUpArrow">
+              <a:avLst>
+                <a:gd name="adj1" fmla="val 50000"/>
+                <a:gd name="adj2" fmla="val 13509"/>
+                <a:gd name="adj3" fmla="val 25659"/>
+              </a:avLst>
+            </a:prstGeom>
+            <a:solidFill>
+              <a:schemeClr val="accent1">
+                <a:lumMod val="20000"/>
+                <a:lumOff val="80000"/>
+              </a:schemeClr>
+            </a:solidFill>
+          </p:spPr>
+          <p:style>
+            <a:lnRef idx="2">
+              <a:schemeClr val="accent1">
+                <a:shade val="50000"/>
+              </a:schemeClr>
+            </a:lnRef>
+            <a:fillRef idx="1">
+              <a:schemeClr val="accent1"/>
+            </a:fillRef>
+            <a:effectRef idx="0">
+              <a:schemeClr val="accent1"/>
+            </a:effectRef>
+            <a:fontRef idx="minor">
+              <a:schemeClr val="lt1"/>
+            </a:fontRef>
+          </p:style>
+          <p:txBody>
+            <a:bodyPr rtlCol="0" anchor="ctr"/>
+            <a:lstStyle/>
+            <a:p>
+              <a:pPr algn="ctr"/>
+              <a:endParaRPr lang="fr-FR"/>
+            </a:p>
+          </p:txBody>
+        </p:sp>
+        <p:sp>
+          <p:nvSpPr>
+            <p:cNvPr id="16" name="ZoneTexte 15">
+              <a:extLst>
+                <a:ext uri="{FF2B5EF4-FFF2-40B4-BE49-F238E27FC236}">
+                  <a16:creationId xmlns:a16="http://schemas.microsoft.com/office/drawing/2014/main" id="{5C3CF733-E51A-4F7D-AC97-2689CE916E1D}"/>
+                </a:ext>
+              </a:extLst>
+            </p:cNvPr>
+            <p:cNvSpPr txBox="1"/>
+            <p:nvPr/>
+          </p:nvSpPr>
+          <p:spPr>
+            <a:xfrm>
+              <a:off x="547374" y="3868176"/>
+              <a:ext cx="9587226" cy="1569660"/>
+            </a:xfrm>
+            <a:prstGeom prst="rect">
+              <a:avLst/>
+            </a:prstGeom>
+            <a:noFill/>
+          </p:spPr>
+          <p:txBody>
+            <a:bodyPr wrap="square" rtlCol="0">
+              <a:spAutoFit/>
+            </a:bodyPr>
+            <a:lstStyle/>
+            <a:p>
+              <a:pPr algn="just">
+                <a:buFont typeface="Wingdings" panose="05000000000000000000" pitchFamily="2" charset="2"/>
+                <a:buChar char="v"/>
+              </a:pPr>
+              <a:r>
+                <a:rPr lang="fr-FR" sz="2400" b="1" dirty="0">
+                  <a:latin typeface="Times New Roman" panose="02020603050405020304" pitchFamily="18" charset="0"/>
+                  <a:cs typeface="Times New Roman" panose="02020603050405020304" pitchFamily="18" charset="0"/>
+                </a:rPr>
+                <a:t>Ce qui est nouveau qu’on vous demande, </a:t>
+              </a:r>
+              <a:r>
+                <a:rPr lang="fr-FR" sz="2400" b="1" dirty="0">
+                  <a:solidFill>
+                    <a:srgbClr val="7030A0"/>
+                  </a:solidFill>
+                  <a:latin typeface="Times New Roman" panose="02020603050405020304" pitchFamily="18" charset="0"/>
+                  <a:cs typeface="Times New Roman" panose="02020603050405020304" pitchFamily="18" charset="0"/>
+                </a:rPr>
+                <a:t>c’est la conclusion</a:t>
+              </a:r>
+              <a:r>
+                <a:rPr lang="fr-FR" sz="2400" b="1" dirty="0">
+                  <a:latin typeface="Times New Roman" panose="02020603050405020304" pitchFamily="18" charset="0"/>
+                  <a:cs typeface="Times New Roman" panose="02020603050405020304" pitchFamily="18" charset="0"/>
+                </a:rPr>
+                <a:t>.</a:t>
+              </a:r>
+            </a:p>
+            <a:p>
+              <a:pPr algn="just">
+                <a:buFont typeface="Wingdings" panose="05000000000000000000" pitchFamily="2" charset="2"/>
+                <a:buChar char="v"/>
+              </a:pPr>
+              <a:r>
+                <a:rPr lang="fr-FR" sz="2400" b="1" dirty="0">
+                  <a:latin typeface="Times New Roman" panose="02020603050405020304" pitchFamily="18" charset="0"/>
+                  <a:cs typeface="Times New Roman" panose="02020603050405020304" pitchFamily="18" charset="0"/>
+                </a:rPr>
+                <a:t>Au cours de la démonstration, vous pouvez utiliser: </a:t>
+              </a:r>
+              <a:r>
+                <a:rPr lang="fr-FR" sz="2400" b="1" dirty="0">
+                  <a:solidFill>
+                    <a:srgbClr val="7030A0"/>
+                  </a:solidFill>
+                  <a:latin typeface="Times New Roman" panose="02020603050405020304" pitchFamily="18" charset="0"/>
+                  <a:cs typeface="Times New Roman" panose="02020603050405020304" pitchFamily="18" charset="0"/>
+                </a:rPr>
+                <a:t>les définitions, les théorèmes connus, les résultats des questions précédentes, les règles et les méthodes faisant partie du cours.</a:t>
+              </a:r>
+            </a:p>
+          </p:txBody>
+        </p:sp>
+      </p:grpSp>
       <p:grpSp>
         <p:nvGrpSpPr>
           <p:cNvPr id="20" name="Groupe 19">
@@ -6079,6 +7820,689 @@
   <p:clrMapOvr>
     <a:masterClrMapping/>
   </p:clrMapOvr>
+  <mc:AlternateContent xmlns:mc="http://schemas.openxmlformats.org/markup-compatibility/2006">
+    <mc:Choice xmlns:p14="http://schemas.microsoft.com/office/powerpoint/2010/main" Requires="p14">
+      <p:transition spd="slow" p14:dur="4000">
+        <p14:vortex dir="r"/>
+      </p:transition>
+    </mc:Choice>
+    <mc:Fallback>
+      <p:transition spd="slow">
+        <p:fade/>
+      </p:transition>
+    </mc:Fallback>
+  </mc:AlternateContent>
+  <p:timing>
+    <p:tnLst>
+      <p:par>
+        <p:cTn id="1" dur="indefinite" restart="never" nodeType="tmRoot">
+          <p:childTnLst>
+            <p:seq concurrent="1" nextAc="seek">
+              <p:cTn id="2" dur="indefinite" nodeType="mainSeq">
+                <p:childTnLst>
+                  <p:par>
+                    <p:cTn id="3" fill="hold">
+                      <p:stCondLst>
+                        <p:cond delay="indefinite"/>
+                      </p:stCondLst>
+                      <p:childTnLst>
+                        <p:par>
+                          <p:cTn id="4" fill="hold">
+                            <p:stCondLst>
+                              <p:cond delay="0"/>
+                            </p:stCondLst>
+                            <p:childTnLst>
+                              <p:par>
+                                <p:cTn id="5" presetID="26" presetClass="entr" presetSubtype="0" fill="hold" grpId="0" nodeType="clickEffect">
+                                  <p:stCondLst>
+                                    <p:cond delay="0"/>
+                                  </p:stCondLst>
+                                  <p:childTnLst>
+                                    <p:set>
+                                      <p:cBhvr>
+                                        <p:cTn id="6" dur="1" fill="hold">
+                                          <p:stCondLst>
+                                            <p:cond delay="0"/>
+                                          </p:stCondLst>
+                                        </p:cTn>
+                                        <p:tgtEl>
+                                          <p:spTgt spid="8"/>
+                                        </p:tgtEl>
+                                        <p:attrNameLst>
+                                          <p:attrName>style.visibility</p:attrName>
+                                        </p:attrNameLst>
+                                      </p:cBhvr>
+                                      <p:to>
+                                        <p:strVal val="visible"/>
+                                      </p:to>
+                                    </p:set>
+                                    <p:animEffect transition="in" filter="wipe(down)">
+                                      <p:cBhvr>
+                                        <p:cTn id="7" dur="580">
+                                          <p:stCondLst>
+                                            <p:cond delay="0"/>
+                                          </p:stCondLst>
+                                        </p:cTn>
+                                        <p:tgtEl>
+                                          <p:spTgt spid="8"/>
+                                        </p:tgtEl>
+                                      </p:cBhvr>
+                                    </p:animEffect>
+                                    <p:anim calcmode="lin" valueType="num">
+                                      <p:cBhvr>
+                                        <p:cTn id="8" dur="1822" tmFilter="0,0; 0.14,0.36; 0.43,0.73; 0.71,0.91; 1.0,1.0">
+                                          <p:stCondLst>
+                                            <p:cond delay="0"/>
+                                          </p:stCondLst>
+                                        </p:cTn>
+                                        <p:tgtEl>
+                                          <p:spTgt spid="8"/>
+                                        </p:tgtEl>
+                                        <p:attrNameLst>
+                                          <p:attrName>ppt_x</p:attrName>
+                                        </p:attrNameLst>
+                                      </p:cBhvr>
+                                      <p:tavLst>
+                                        <p:tav tm="0">
+                                          <p:val>
+                                            <p:strVal val="#ppt_x-0.25"/>
+                                          </p:val>
+                                        </p:tav>
+                                        <p:tav tm="100000">
+                                          <p:val>
+                                            <p:strVal val="#ppt_x"/>
+                                          </p:val>
+                                        </p:tav>
+                                      </p:tavLst>
+                                    </p:anim>
+                                    <p:anim calcmode="lin" valueType="num">
+                                      <p:cBhvr>
+                                        <p:cTn id="9" dur="664" tmFilter="0.0,0.0; 0.25,0.07; 0.50,0.2; 0.75,0.467; 1.0,1.0">
+                                          <p:stCondLst>
+                                            <p:cond delay="0"/>
+                                          </p:stCondLst>
+                                        </p:cTn>
+                                        <p:tgtEl>
+                                          <p:spTgt spid="8"/>
+                                        </p:tgtEl>
+                                        <p:attrNameLst>
+                                          <p:attrName>ppt_y</p:attrName>
+                                        </p:attrNameLst>
+                                      </p:cBhvr>
+                                      <p:tavLst>
+                                        <p:tav tm="0" fmla="#ppt_y-sin(pi*$)/3">
+                                          <p:val>
+                                            <p:fltVal val="0.5"/>
+                                          </p:val>
+                                        </p:tav>
+                                        <p:tav tm="100000">
+                                          <p:val>
+                                            <p:fltVal val="1"/>
+                                          </p:val>
+                                        </p:tav>
+                                      </p:tavLst>
+                                    </p:anim>
+                                    <p:anim calcmode="lin" valueType="num">
+                                      <p:cBhvr>
+                                        <p:cTn id="10" dur="664" tmFilter="0, 0; 0.125,0.2665; 0.25,0.4; 0.375,0.465; 0.5,0.5;  0.625,0.535; 0.75,0.6; 0.875,0.7335; 1,1">
+                                          <p:stCondLst>
+                                            <p:cond delay="664"/>
+                                          </p:stCondLst>
+                                        </p:cTn>
+                                        <p:tgtEl>
+                                          <p:spTgt spid="8"/>
+                                        </p:tgtEl>
+                                        <p:attrNameLst>
+                                          <p:attrName>ppt_y</p:attrName>
+                                        </p:attrNameLst>
+                                      </p:cBhvr>
+                                      <p:tavLst>
+                                        <p:tav tm="0" fmla="#ppt_y-sin(pi*$)/9">
+                                          <p:val>
+                                            <p:fltVal val="0"/>
+                                          </p:val>
+                                        </p:tav>
+                                        <p:tav tm="100000">
+                                          <p:val>
+                                            <p:fltVal val="1"/>
+                                          </p:val>
+                                        </p:tav>
+                                      </p:tavLst>
+                                    </p:anim>
+                                    <p:anim calcmode="lin" valueType="num">
+                                      <p:cBhvr>
+                                        <p:cTn id="11" dur="332" tmFilter="0, 0; 0.125,0.2665; 0.25,0.4; 0.375,0.465; 0.5,0.5;  0.625,0.535; 0.75,0.6; 0.875,0.7335; 1,1">
+                                          <p:stCondLst>
+                                            <p:cond delay="1324"/>
+                                          </p:stCondLst>
+                                        </p:cTn>
+                                        <p:tgtEl>
+                                          <p:spTgt spid="8"/>
+                                        </p:tgtEl>
+                                        <p:attrNameLst>
+                                          <p:attrName>ppt_y</p:attrName>
+                                        </p:attrNameLst>
+                                      </p:cBhvr>
+                                      <p:tavLst>
+                                        <p:tav tm="0" fmla="#ppt_y-sin(pi*$)/27">
+                                          <p:val>
+                                            <p:fltVal val="0"/>
+                                          </p:val>
+                                        </p:tav>
+                                        <p:tav tm="100000">
+                                          <p:val>
+                                            <p:fltVal val="1"/>
+                                          </p:val>
+                                        </p:tav>
+                                      </p:tavLst>
+                                    </p:anim>
+                                    <p:anim calcmode="lin" valueType="num">
+                                      <p:cBhvr>
+                                        <p:cTn id="12" dur="164" tmFilter="0, 0; 0.125,0.2665; 0.25,0.4; 0.375,0.465; 0.5,0.5;  0.625,0.535; 0.75,0.6; 0.875,0.7335; 1,1">
+                                          <p:stCondLst>
+                                            <p:cond delay="1656"/>
+                                          </p:stCondLst>
+                                        </p:cTn>
+                                        <p:tgtEl>
+                                          <p:spTgt spid="8"/>
+                                        </p:tgtEl>
+                                        <p:attrNameLst>
+                                          <p:attrName>ppt_y</p:attrName>
+                                        </p:attrNameLst>
+                                      </p:cBhvr>
+                                      <p:tavLst>
+                                        <p:tav tm="0" fmla="#ppt_y-sin(pi*$)/81">
+                                          <p:val>
+                                            <p:fltVal val="0"/>
+                                          </p:val>
+                                        </p:tav>
+                                        <p:tav tm="100000">
+                                          <p:val>
+                                            <p:fltVal val="1"/>
+                                          </p:val>
+                                        </p:tav>
+                                      </p:tavLst>
+                                    </p:anim>
+                                    <p:animScale>
+                                      <p:cBhvr>
+                                        <p:cTn id="13" dur="26">
+                                          <p:stCondLst>
+                                            <p:cond delay="650"/>
+                                          </p:stCondLst>
+                                        </p:cTn>
+                                        <p:tgtEl>
+                                          <p:spTgt spid="8"/>
+                                        </p:tgtEl>
+                                      </p:cBhvr>
+                                      <p:to x="100000" y="60000"/>
+                                    </p:animScale>
+                                    <p:animScale>
+                                      <p:cBhvr>
+                                        <p:cTn id="14" dur="166" decel="50000">
+                                          <p:stCondLst>
+                                            <p:cond delay="676"/>
+                                          </p:stCondLst>
+                                        </p:cTn>
+                                        <p:tgtEl>
+                                          <p:spTgt spid="8"/>
+                                        </p:tgtEl>
+                                      </p:cBhvr>
+                                      <p:to x="100000" y="100000"/>
+                                    </p:animScale>
+                                    <p:animScale>
+                                      <p:cBhvr>
+                                        <p:cTn id="15" dur="26">
+                                          <p:stCondLst>
+                                            <p:cond delay="1312"/>
+                                          </p:stCondLst>
+                                        </p:cTn>
+                                        <p:tgtEl>
+                                          <p:spTgt spid="8"/>
+                                        </p:tgtEl>
+                                      </p:cBhvr>
+                                      <p:to x="100000" y="80000"/>
+                                    </p:animScale>
+                                    <p:animScale>
+                                      <p:cBhvr>
+                                        <p:cTn id="16" dur="166" decel="50000">
+                                          <p:stCondLst>
+                                            <p:cond delay="1338"/>
+                                          </p:stCondLst>
+                                        </p:cTn>
+                                        <p:tgtEl>
+                                          <p:spTgt spid="8"/>
+                                        </p:tgtEl>
+                                      </p:cBhvr>
+                                      <p:to x="100000" y="100000"/>
+                                    </p:animScale>
+                                    <p:animScale>
+                                      <p:cBhvr>
+                                        <p:cTn id="17" dur="26">
+                                          <p:stCondLst>
+                                            <p:cond delay="1642"/>
+                                          </p:stCondLst>
+                                        </p:cTn>
+                                        <p:tgtEl>
+                                          <p:spTgt spid="8"/>
+                                        </p:tgtEl>
+                                      </p:cBhvr>
+                                      <p:to x="100000" y="90000"/>
+                                    </p:animScale>
+                                    <p:animScale>
+                                      <p:cBhvr>
+                                        <p:cTn id="18" dur="166" decel="50000">
+                                          <p:stCondLst>
+                                            <p:cond delay="1668"/>
+                                          </p:stCondLst>
+                                        </p:cTn>
+                                        <p:tgtEl>
+                                          <p:spTgt spid="8"/>
+                                        </p:tgtEl>
+                                      </p:cBhvr>
+                                      <p:to x="100000" y="100000"/>
+                                    </p:animScale>
+                                    <p:animScale>
+                                      <p:cBhvr>
+                                        <p:cTn id="19" dur="26">
+                                          <p:stCondLst>
+                                            <p:cond delay="1808"/>
+                                          </p:stCondLst>
+                                        </p:cTn>
+                                        <p:tgtEl>
+                                          <p:spTgt spid="8"/>
+                                        </p:tgtEl>
+                                      </p:cBhvr>
+                                      <p:to x="100000" y="95000"/>
+                                    </p:animScale>
+                                    <p:animScale>
+                                      <p:cBhvr>
+                                        <p:cTn id="20" dur="166" decel="50000">
+                                          <p:stCondLst>
+                                            <p:cond delay="1834"/>
+                                          </p:stCondLst>
+                                        </p:cTn>
+                                        <p:tgtEl>
+                                          <p:spTgt spid="8"/>
+                                        </p:tgtEl>
+                                      </p:cBhvr>
+                                      <p:to x="100000" y="100000"/>
+                                    </p:animScale>
+                                  </p:childTnLst>
+                                </p:cTn>
+                              </p:par>
+                            </p:childTnLst>
+                          </p:cTn>
+                        </p:par>
+                      </p:childTnLst>
+                    </p:cTn>
+                  </p:par>
+                  <p:par>
+                    <p:cTn id="21" fill="hold">
+                      <p:stCondLst>
+                        <p:cond delay="indefinite"/>
+                      </p:stCondLst>
+                      <p:childTnLst>
+                        <p:par>
+                          <p:cTn id="22" fill="hold">
+                            <p:stCondLst>
+                              <p:cond delay="0"/>
+                            </p:stCondLst>
+                            <p:childTnLst>
+                              <p:par>
+                                <p:cTn id="23" presetID="2" presetClass="entr" presetSubtype="4" fill="hold" nodeType="clickEffect">
+                                  <p:stCondLst>
+                                    <p:cond delay="0"/>
+                                  </p:stCondLst>
+                                  <p:childTnLst>
+                                    <p:set>
+                                      <p:cBhvr>
+                                        <p:cTn id="24" dur="1" fill="hold">
+                                          <p:stCondLst>
+                                            <p:cond delay="0"/>
+                                          </p:stCondLst>
+                                        </p:cTn>
+                                        <p:tgtEl>
+                                          <p:spTgt spid="4"/>
+                                        </p:tgtEl>
+                                        <p:attrNameLst>
+                                          <p:attrName>style.visibility</p:attrName>
+                                        </p:attrNameLst>
+                                      </p:cBhvr>
+                                      <p:to>
+                                        <p:strVal val="visible"/>
+                                      </p:to>
+                                    </p:set>
+                                    <p:anim calcmode="lin" valueType="num">
+                                      <p:cBhvr additive="base">
+                                        <p:cTn id="25" dur="2000" fill="hold"/>
+                                        <p:tgtEl>
+                                          <p:spTgt spid="4"/>
+                                        </p:tgtEl>
+                                        <p:attrNameLst>
+                                          <p:attrName>ppt_x</p:attrName>
+                                        </p:attrNameLst>
+                                      </p:cBhvr>
+                                      <p:tavLst>
+                                        <p:tav tm="0">
+                                          <p:val>
+                                            <p:strVal val="#ppt_x"/>
+                                          </p:val>
+                                        </p:tav>
+                                        <p:tav tm="100000">
+                                          <p:val>
+                                            <p:strVal val="#ppt_x"/>
+                                          </p:val>
+                                        </p:tav>
+                                      </p:tavLst>
+                                    </p:anim>
+                                    <p:anim calcmode="lin" valueType="num">
+                                      <p:cBhvr additive="base">
+                                        <p:cTn id="26" dur="2000" fill="hold"/>
+                                        <p:tgtEl>
+                                          <p:spTgt spid="4"/>
+                                        </p:tgtEl>
+                                        <p:attrNameLst>
+                                          <p:attrName>ppt_y</p:attrName>
+                                        </p:attrNameLst>
+                                      </p:cBhvr>
+                                      <p:tavLst>
+                                        <p:tav tm="0">
+                                          <p:val>
+                                            <p:strVal val="1+#ppt_h/2"/>
+                                          </p:val>
+                                        </p:tav>
+                                        <p:tav tm="100000">
+                                          <p:val>
+                                            <p:strVal val="#ppt_y"/>
+                                          </p:val>
+                                        </p:tav>
+                                      </p:tavLst>
+                                    </p:anim>
+                                  </p:childTnLst>
+                                </p:cTn>
+                              </p:par>
+                            </p:childTnLst>
+                          </p:cTn>
+                        </p:par>
+                      </p:childTnLst>
+                    </p:cTn>
+                  </p:par>
+                  <p:par>
+                    <p:cTn id="27" fill="hold">
+                      <p:stCondLst>
+                        <p:cond delay="indefinite"/>
+                      </p:stCondLst>
+                      <p:childTnLst>
+                        <p:par>
+                          <p:cTn id="28" fill="hold">
+                            <p:stCondLst>
+                              <p:cond delay="0"/>
+                            </p:stCondLst>
+                            <p:childTnLst>
+                              <p:par>
+                                <p:cTn id="29" presetID="42" presetClass="entr" presetSubtype="0" fill="hold" nodeType="clickEffect">
+                                  <p:stCondLst>
+                                    <p:cond delay="0"/>
+                                  </p:stCondLst>
+                                  <p:childTnLst>
+                                    <p:set>
+                                      <p:cBhvr>
+                                        <p:cTn id="30" dur="1" fill="hold">
+                                          <p:stCondLst>
+                                            <p:cond delay="0"/>
+                                          </p:stCondLst>
+                                        </p:cTn>
+                                        <p:tgtEl>
+                                          <p:spTgt spid="11"/>
+                                        </p:tgtEl>
+                                        <p:attrNameLst>
+                                          <p:attrName>style.visibility</p:attrName>
+                                        </p:attrNameLst>
+                                      </p:cBhvr>
+                                      <p:to>
+                                        <p:strVal val="visible"/>
+                                      </p:to>
+                                    </p:set>
+                                    <p:animEffect transition="in" filter="fade">
+                                      <p:cBhvr>
+                                        <p:cTn id="31" dur="2000"/>
+                                        <p:tgtEl>
+                                          <p:spTgt spid="11"/>
+                                        </p:tgtEl>
+                                      </p:cBhvr>
+                                    </p:animEffect>
+                                    <p:anim calcmode="lin" valueType="num">
+                                      <p:cBhvr>
+                                        <p:cTn id="32" dur="2000" fill="hold"/>
+                                        <p:tgtEl>
+                                          <p:spTgt spid="11"/>
+                                        </p:tgtEl>
+                                        <p:attrNameLst>
+                                          <p:attrName>ppt_x</p:attrName>
+                                        </p:attrNameLst>
+                                      </p:cBhvr>
+                                      <p:tavLst>
+                                        <p:tav tm="0">
+                                          <p:val>
+                                            <p:strVal val="#ppt_x"/>
+                                          </p:val>
+                                        </p:tav>
+                                        <p:tav tm="100000">
+                                          <p:val>
+                                            <p:strVal val="#ppt_x"/>
+                                          </p:val>
+                                        </p:tav>
+                                      </p:tavLst>
+                                    </p:anim>
+                                    <p:anim calcmode="lin" valueType="num">
+                                      <p:cBhvr>
+                                        <p:cTn id="33" dur="2000" fill="hold"/>
+                                        <p:tgtEl>
+                                          <p:spTgt spid="11"/>
+                                        </p:tgtEl>
+                                        <p:attrNameLst>
+                                          <p:attrName>ppt_y</p:attrName>
+                                        </p:attrNameLst>
+                                      </p:cBhvr>
+                                      <p:tavLst>
+                                        <p:tav tm="0">
+                                          <p:val>
+                                            <p:strVal val="#ppt_y+.1"/>
+                                          </p:val>
+                                        </p:tav>
+                                        <p:tav tm="100000">
+                                          <p:val>
+                                            <p:strVal val="#ppt_y"/>
+                                          </p:val>
+                                        </p:tav>
+                                      </p:tavLst>
+                                    </p:anim>
+                                  </p:childTnLst>
+                                </p:cTn>
+                              </p:par>
+                            </p:childTnLst>
+                          </p:cTn>
+                        </p:par>
+                      </p:childTnLst>
+                    </p:cTn>
+                  </p:par>
+                  <p:par>
+                    <p:cTn id="34" fill="hold">
+                      <p:stCondLst>
+                        <p:cond delay="indefinite"/>
+                      </p:stCondLst>
+                      <p:childTnLst>
+                        <p:par>
+                          <p:cTn id="35" fill="hold">
+                            <p:stCondLst>
+                              <p:cond delay="0"/>
+                            </p:stCondLst>
+                            <p:childTnLst>
+                              <p:par>
+                                <p:cTn id="36" presetID="42" presetClass="entr" presetSubtype="0" fill="hold" nodeType="clickEffect">
+                                  <p:stCondLst>
+                                    <p:cond delay="0"/>
+                                  </p:stCondLst>
+                                  <p:childTnLst>
+                                    <p:set>
+                                      <p:cBhvr>
+                                        <p:cTn id="37" dur="1" fill="hold">
+                                          <p:stCondLst>
+                                            <p:cond delay="0"/>
+                                          </p:stCondLst>
+                                        </p:cTn>
+                                        <p:tgtEl>
+                                          <p:spTgt spid="6"/>
+                                        </p:tgtEl>
+                                        <p:attrNameLst>
+                                          <p:attrName>style.visibility</p:attrName>
+                                        </p:attrNameLst>
+                                      </p:cBhvr>
+                                      <p:to>
+                                        <p:strVal val="visible"/>
+                                      </p:to>
+                                    </p:set>
+                                    <p:animEffect transition="in" filter="fade">
+                                      <p:cBhvr>
+                                        <p:cTn id="38" dur="2000"/>
+                                        <p:tgtEl>
+                                          <p:spTgt spid="6"/>
+                                        </p:tgtEl>
+                                      </p:cBhvr>
+                                    </p:animEffect>
+                                    <p:anim calcmode="lin" valueType="num">
+                                      <p:cBhvr>
+                                        <p:cTn id="39" dur="2000" fill="hold"/>
+                                        <p:tgtEl>
+                                          <p:spTgt spid="6"/>
+                                        </p:tgtEl>
+                                        <p:attrNameLst>
+                                          <p:attrName>ppt_x</p:attrName>
+                                        </p:attrNameLst>
+                                      </p:cBhvr>
+                                      <p:tavLst>
+                                        <p:tav tm="0">
+                                          <p:val>
+                                            <p:strVal val="#ppt_x"/>
+                                          </p:val>
+                                        </p:tav>
+                                        <p:tav tm="100000">
+                                          <p:val>
+                                            <p:strVal val="#ppt_x"/>
+                                          </p:val>
+                                        </p:tav>
+                                      </p:tavLst>
+                                    </p:anim>
+                                    <p:anim calcmode="lin" valueType="num">
+                                      <p:cBhvr>
+                                        <p:cTn id="40" dur="2000" fill="hold"/>
+                                        <p:tgtEl>
+                                          <p:spTgt spid="6"/>
+                                        </p:tgtEl>
+                                        <p:attrNameLst>
+                                          <p:attrName>ppt_y</p:attrName>
+                                        </p:attrNameLst>
+                                      </p:cBhvr>
+                                      <p:tavLst>
+                                        <p:tav tm="0">
+                                          <p:val>
+                                            <p:strVal val="#ppt_y+.1"/>
+                                          </p:val>
+                                        </p:tav>
+                                        <p:tav tm="100000">
+                                          <p:val>
+                                            <p:strVal val="#ppt_y"/>
+                                          </p:val>
+                                        </p:tav>
+                                      </p:tavLst>
+                                    </p:anim>
+                                  </p:childTnLst>
+                                </p:cTn>
+                              </p:par>
+                            </p:childTnLst>
+                          </p:cTn>
+                        </p:par>
+                      </p:childTnLst>
+                    </p:cTn>
+                  </p:par>
+                  <p:par>
+                    <p:cTn id="41" fill="hold">
+                      <p:stCondLst>
+                        <p:cond delay="indefinite"/>
+                      </p:stCondLst>
+                      <p:childTnLst>
+                        <p:par>
+                          <p:cTn id="42" fill="hold">
+                            <p:stCondLst>
+                              <p:cond delay="0"/>
+                            </p:stCondLst>
+                            <p:childTnLst>
+                              <p:par>
+                                <p:cTn id="43" presetID="21" presetClass="entr" presetSubtype="1" fill="hold" nodeType="clickEffect">
+                                  <p:stCondLst>
+                                    <p:cond delay="0"/>
+                                  </p:stCondLst>
+                                  <p:childTnLst>
+                                    <p:set>
+                                      <p:cBhvr>
+                                        <p:cTn id="44" dur="1" fill="hold">
+                                          <p:stCondLst>
+                                            <p:cond delay="0"/>
+                                          </p:stCondLst>
+                                        </p:cTn>
+                                        <p:tgtEl>
+                                          <p:spTgt spid="20"/>
+                                        </p:tgtEl>
+                                        <p:attrNameLst>
+                                          <p:attrName>style.visibility</p:attrName>
+                                        </p:attrNameLst>
+                                      </p:cBhvr>
+                                      <p:to>
+                                        <p:strVal val="visible"/>
+                                      </p:to>
+                                    </p:set>
+                                    <p:animEffect transition="in" filter="wheel(1)">
+                                      <p:cBhvr>
+                                        <p:cTn id="45" dur="2000"/>
+                                        <p:tgtEl>
+                                          <p:spTgt spid="20"/>
+                                        </p:tgtEl>
+                                      </p:cBhvr>
+                                    </p:animEffect>
+                                  </p:childTnLst>
+                                </p:cTn>
+                              </p:par>
+                            </p:childTnLst>
+                          </p:cTn>
+                        </p:par>
+                      </p:childTnLst>
+                    </p:cTn>
+                  </p:par>
+                </p:childTnLst>
+              </p:cTn>
+              <p:prevCondLst>
+                <p:cond evt="onPrev" delay="0">
+                  <p:tgtEl>
+                    <p:sldTgt/>
+                  </p:tgtEl>
+                </p:cond>
+              </p:prevCondLst>
+              <p:nextCondLst>
+                <p:cond evt="onNext" delay="0">
+                  <p:tgtEl>
+                    <p:sldTgt/>
+                  </p:tgtEl>
+                </p:cond>
+              </p:nextCondLst>
+            </p:seq>
+          </p:childTnLst>
+        </p:cTn>
+      </p:par>
+    </p:tnLst>
+    <p:bldLst>
+      <p:bldP spid="8" grpId="0" animBg="1"/>
+    </p:bldLst>
+  </p:timing>
 </p:sld>
 </file>
 
@@ -6748,6 +9172,207 @@
   <p:clrMapOvr>
     <a:masterClrMapping/>
   </p:clrMapOvr>
+  <mc:AlternateContent xmlns:mc="http://schemas.openxmlformats.org/markup-compatibility/2006">
+    <mc:Choice xmlns:p14="http://schemas.microsoft.com/office/powerpoint/2010/main" Requires="p14">
+      <p:transition spd="slow" p14:dur="4000">
+        <p14:vortex/>
+      </p:transition>
+    </mc:Choice>
+    <mc:Fallback>
+      <p:transition spd="slow">
+        <p:fade/>
+      </p:transition>
+    </mc:Fallback>
+  </mc:AlternateContent>
+  <p:timing>
+    <p:tnLst>
+      <p:par>
+        <p:cTn id="1" dur="indefinite" restart="never" nodeType="tmRoot">
+          <p:childTnLst>
+            <p:seq concurrent="1" nextAc="seek">
+              <p:cTn id="2" dur="indefinite" nodeType="mainSeq">
+                <p:childTnLst>
+                  <p:par>
+                    <p:cTn id="3" fill="hold">
+                      <p:stCondLst>
+                        <p:cond delay="indefinite"/>
+                      </p:stCondLst>
+                      <p:childTnLst>
+                        <p:par>
+                          <p:cTn id="4" fill="hold">
+                            <p:stCondLst>
+                              <p:cond delay="0"/>
+                            </p:stCondLst>
+                            <p:childTnLst>
+                              <p:par>
+                                <p:cTn id="5" presetID="21" presetClass="entr" presetSubtype="1" fill="hold" nodeType="clickEffect">
+                                  <p:stCondLst>
+                                    <p:cond delay="0"/>
+                                  </p:stCondLst>
+                                  <p:childTnLst>
+                                    <p:set>
+                                      <p:cBhvr>
+                                        <p:cTn id="6" dur="1" fill="hold">
+                                          <p:stCondLst>
+                                            <p:cond delay="0"/>
+                                          </p:stCondLst>
+                                        </p:cTn>
+                                        <p:tgtEl>
+                                          <p:spTgt spid="23"/>
+                                        </p:tgtEl>
+                                        <p:attrNameLst>
+                                          <p:attrName>style.visibility</p:attrName>
+                                        </p:attrNameLst>
+                                      </p:cBhvr>
+                                      <p:to>
+                                        <p:strVal val="visible"/>
+                                      </p:to>
+                                    </p:set>
+                                    <p:animEffect transition="in" filter="wheel(1)">
+                                      <p:cBhvr>
+                                        <p:cTn id="7" dur="2000"/>
+                                        <p:tgtEl>
+                                          <p:spTgt spid="23"/>
+                                        </p:tgtEl>
+                                      </p:cBhvr>
+                                    </p:animEffect>
+                                  </p:childTnLst>
+                                </p:cTn>
+                              </p:par>
+                            </p:childTnLst>
+                          </p:cTn>
+                        </p:par>
+                      </p:childTnLst>
+                    </p:cTn>
+                  </p:par>
+                  <p:par>
+                    <p:cTn id="8" fill="hold">
+                      <p:stCondLst>
+                        <p:cond delay="indefinite"/>
+                      </p:stCondLst>
+                      <p:childTnLst>
+                        <p:par>
+                          <p:cTn id="9" fill="hold">
+                            <p:stCondLst>
+                              <p:cond delay="0"/>
+                            </p:stCondLst>
+                            <p:childTnLst>
+                              <p:par>
+                                <p:cTn id="10" presetID="21" presetClass="entr" presetSubtype="1" fill="hold" nodeType="clickEffect">
+                                  <p:stCondLst>
+                                    <p:cond delay="0"/>
+                                  </p:stCondLst>
+                                  <p:childTnLst>
+                                    <p:set>
+                                      <p:cBhvr>
+                                        <p:cTn id="11" dur="1" fill="hold">
+                                          <p:stCondLst>
+                                            <p:cond delay="0"/>
+                                          </p:stCondLst>
+                                        </p:cTn>
+                                        <p:tgtEl>
+                                          <p:spTgt spid="22"/>
+                                        </p:tgtEl>
+                                        <p:attrNameLst>
+                                          <p:attrName>style.visibility</p:attrName>
+                                        </p:attrNameLst>
+                                      </p:cBhvr>
+                                      <p:to>
+                                        <p:strVal val="visible"/>
+                                      </p:to>
+                                    </p:set>
+                                    <p:animEffect transition="in" filter="wheel(1)">
+                                      <p:cBhvr>
+                                        <p:cTn id="12" dur="2000"/>
+                                        <p:tgtEl>
+                                          <p:spTgt spid="22"/>
+                                        </p:tgtEl>
+                                      </p:cBhvr>
+                                    </p:animEffect>
+                                  </p:childTnLst>
+                                </p:cTn>
+                              </p:par>
+                            </p:childTnLst>
+                          </p:cTn>
+                        </p:par>
+                      </p:childTnLst>
+                    </p:cTn>
+                  </p:par>
+                  <p:par>
+                    <p:cTn id="13" fill="hold">
+                      <p:stCondLst>
+                        <p:cond delay="indefinite"/>
+                      </p:stCondLst>
+                      <p:childTnLst>
+                        <p:par>
+                          <p:cTn id="14" fill="hold">
+                            <p:stCondLst>
+                              <p:cond delay="0"/>
+                            </p:stCondLst>
+                            <p:childTnLst>
+                              <p:par>
+                                <p:cTn id="15" presetID="21" presetClass="entr" presetSubtype="1" fill="hold" nodeType="clickEffect">
+                                  <p:stCondLst>
+                                    <p:cond delay="0"/>
+                                  </p:stCondLst>
+                                  <p:childTnLst>
+                                    <p:set>
+                                      <p:cBhvr>
+                                        <p:cTn id="16" dur="1" fill="hold">
+                                          <p:stCondLst>
+                                            <p:cond delay="0"/>
+                                          </p:stCondLst>
+                                        </p:cTn>
+                                        <p:tgtEl>
+                                          <p:spTgt spid="21"/>
+                                        </p:tgtEl>
+                                        <p:attrNameLst>
+                                          <p:attrName>style.visibility</p:attrName>
+                                        </p:attrNameLst>
+                                      </p:cBhvr>
+                                      <p:to>
+                                        <p:strVal val="visible"/>
+                                      </p:to>
+                                    </p:set>
+                                    <p:animEffect transition="in" filter="wheel(1)">
+                                      <p:cBhvr>
+                                        <p:cTn id="17" dur="2000"/>
+                                        <p:tgtEl>
+                                          <p:spTgt spid="21"/>
+                                        </p:tgtEl>
+                                      </p:cBhvr>
+                                    </p:animEffect>
+                                  </p:childTnLst>
+                                </p:cTn>
+                              </p:par>
+                            </p:childTnLst>
+                          </p:cTn>
+                        </p:par>
+                      </p:childTnLst>
+                    </p:cTn>
+                  </p:par>
+                </p:childTnLst>
+              </p:cTn>
+              <p:prevCondLst>
+                <p:cond evt="onPrev" delay="0">
+                  <p:tgtEl>
+                    <p:sldTgt/>
+                  </p:tgtEl>
+                </p:cond>
+              </p:prevCondLst>
+              <p:nextCondLst>
+                <p:cond evt="onNext" delay="0">
+                  <p:tgtEl>
+                    <p:sldTgt/>
+                  </p:tgtEl>
+                </p:cond>
+              </p:nextCondLst>
+            </p:seq>
+          </p:childTnLst>
+        </p:cTn>
+      </p:par>
+    </p:tnLst>
+  </p:timing>
 </p:sld>
 </file>
 
